--- a/docs/diagrams/LogicComponentSequenceDiagram.pptx
+++ b/docs/diagrams/LogicComponentSequenceDiagram.pptx
@@ -1,6 +1,6 @@
 
 <file path=ppt/presentation.xml><?xml version="1.0" encoding="utf-8"?>
-<p:presentation xmlns:a="http://schemas.openxmlformats.org/drawingml/2006/main" xmlns:r="http://schemas.openxmlformats.org/officeDocument/2006/relationships" xmlns:p="http://schemas.openxmlformats.org/presentationml/2006/main" saveSubsetFonts="1">
+<p:presentation xmlns:a="http://schemas.openxmlformats.org/drawingml/2006/main" xmlns:r="http://schemas.openxmlformats.org/officeDocument/2006/relationships" xmlns:p="http://schemas.openxmlformats.org/presentationml/2006/main" removePersonalInfoOnSave="1" saveSubsetFonts="1">
   <p:sldMasterIdLst>
     <p:sldMasterId id="2147483648" r:id="rId1"/>
   </p:sldMasterIdLst>
@@ -8,7 +8,7 @@
     <p:notesMasterId r:id="rId3"/>
   </p:notesMasterIdLst>
   <p:sldIdLst>
-    <p:sldId id="267" r:id="rId2"/>
+    <p:sldId id="266" r:id="rId2"/>
   </p:sldIdLst>
   <p:sldSz cx="9144000" cy="6858000" type="screen4x3"/>
   <p:notesSz cx="6858000" cy="9144000"/>
@@ -126,10 +126,6 @@
 </p:presentation>
 </file>
 
-<file path=ppt/revisionInfo.xml><?xml version="1.0" encoding="utf-8"?>
-<p1510:revInfo xmlns:a="http://schemas.openxmlformats.org/drawingml/2006/main" xmlns:r="http://schemas.openxmlformats.org/officeDocument/2006/relationships" xmlns:p1510="http://schemas.microsoft.com/office/powerpoint/2015/10/main"/>
-</file>
-
 <file path=ppt/notesMasters/notesMaster1.xml><?xml version="1.0" encoding="utf-8"?>
 <p:notesMaster xmlns:a="http://schemas.openxmlformats.org/drawingml/2006/main" xmlns:r="http://schemas.openxmlformats.org/officeDocument/2006/relationships" xmlns:p="http://schemas.openxmlformats.org/presentationml/2006/main">
   <p:cSld>
@@ -212,7 +208,7 @@
           <a:p>
             <a:fld id="{F5CC4B3F-88C1-4FFA-B1B6-F41C21DC6924}" type="datetimeFigureOut">
               <a:rPr lang="en-US" smtClean="0"/>
-              <a:t>7/11/2017</a:t>
+              <a:t>12/15/2018</a:t>
             </a:fld>
             <a:endParaRPr lang="en-US"/>
           </a:p>
@@ -479,6 +475,90 @@
 </p:notesMaster>
 </file>
 
+<file path=ppt/notesSlides/notesSlide1.xml><?xml version="1.0" encoding="utf-8"?>
+<p:notes xmlns:a="http://schemas.openxmlformats.org/drawingml/2006/main" xmlns:r="http://schemas.openxmlformats.org/officeDocument/2006/relationships" xmlns:p="http://schemas.openxmlformats.org/presentationml/2006/main">
+  <p:cSld>
+    <p:spTree>
+      <p:nvGrpSpPr>
+        <p:cNvPr id="1" name=""/>
+        <p:cNvGrpSpPr/>
+        <p:nvPr/>
+      </p:nvGrpSpPr>
+      <p:grpSpPr>
+        <a:xfrm>
+          <a:off x="0" y="0"/>
+          <a:ext cx="0" cy="0"/>
+          <a:chOff x="0" y="0"/>
+          <a:chExt cx="0" cy="0"/>
+        </a:xfrm>
+      </p:grpSpPr>
+      <p:sp>
+        <p:nvSpPr>
+          <p:cNvPr id="2" name="Slide Image Placeholder 1"/>
+          <p:cNvSpPr>
+            <a:spLocks noGrp="1" noRot="1" noChangeAspect="1"/>
+          </p:cNvSpPr>
+          <p:nvPr>
+            <p:ph type="sldImg"/>
+          </p:nvPr>
+        </p:nvSpPr>
+        <p:spPr/>
+      </p:sp>
+      <p:sp>
+        <p:nvSpPr>
+          <p:cNvPr id="3" name="Notes Placeholder 2"/>
+          <p:cNvSpPr>
+            <a:spLocks noGrp="1"/>
+          </p:cNvSpPr>
+          <p:nvPr>
+            <p:ph type="body" idx="1"/>
+          </p:nvPr>
+        </p:nvSpPr>
+        <p:spPr/>
+        <p:txBody>
+          <a:bodyPr/>
+          <a:lstStyle/>
+          <a:p>
+            <a:endParaRPr lang="en-SG" dirty="0"/>
+          </a:p>
+        </p:txBody>
+      </p:sp>
+      <p:sp>
+        <p:nvSpPr>
+          <p:cNvPr id="4" name="Slide Number Placeholder 3"/>
+          <p:cNvSpPr>
+            <a:spLocks noGrp="1"/>
+          </p:cNvSpPr>
+          <p:nvPr>
+            <p:ph type="sldNum" sz="quarter" idx="5"/>
+          </p:nvPr>
+        </p:nvSpPr>
+        <p:spPr/>
+        <p:txBody>
+          <a:bodyPr/>
+          <a:lstStyle/>
+          <a:p>
+            <a:fld id="{5A7AB025-77E3-4BD1-A2FD-B3183DBA47A3}" type="slidenum">
+              <a:rPr lang="en-US" smtClean="0"/>
+              <a:t>1</a:t>
+            </a:fld>
+            <a:endParaRPr lang="en-US"/>
+          </a:p>
+        </p:txBody>
+      </p:sp>
+    </p:spTree>
+    <p:extLst>
+      <p:ext uri="{BB962C8B-B14F-4D97-AF65-F5344CB8AC3E}">
+        <p14:creationId xmlns:p14="http://schemas.microsoft.com/office/powerpoint/2010/main" val="2503452583"/>
+      </p:ext>
+    </p:extLst>
+  </p:cSld>
+  <p:clrMapOvr>
+    <a:masterClrMapping/>
+  </p:clrMapOvr>
+</p:notes>
+</file>
+
 <file path=ppt/slideLayouts/slideLayout1.xml><?xml version="1.0" encoding="utf-8"?>
 <p:sldLayout xmlns:a="http://schemas.openxmlformats.org/drawingml/2006/main" xmlns:r="http://schemas.openxmlformats.org/officeDocument/2006/relationships" xmlns:p="http://schemas.openxmlformats.org/presentationml/2006/main" type="title" preserve="1">
   <p:cSld name="Title Slide">
@@ -658,7 +738,7 @@
           <a:p>
             <a:fld id="{78C97017-6FC3-485B-9764-EAC9E56C1D49}" type="datetimeFigureOut">
               <a:rPr lang="en-US" smtClean="0"/>
-              <a:t>7/11/2017</a:t>
+              <a:t>12/15/2018</a:t>
             </a:fld>
             <a:endParaRPr lang="en-US"/>
           </a:p>
@@ -826,7 +906,7 @@
           <a:p>
             <a:fld id="{78C97017-6FC3-485B-9764-EAC9E56C1D49}" type="datetimeFigureOut">
               <a:rPr lang="en-US" smtClean="0"/>
-              <a:t>7/11/2017</a:t>
+              <a:t>12/15/2018</a:t>
             </a:fld>
             <a:endParaRPr lang="en-US"/>
           </a:p>
@@ -1004,7 +1084,7 @@
           <a:p>
             <a:fld id="{78C97017-6FC3-485B-9764-EAC9E56C1D49}" type="datetimeFigureOut">
               <a:rPr lang="en-US" smtClean="0"/>
-              <a:t>7/11/2017</a:t>
+              <a:t>12/15/2018</a:t>
             </a:fld>
             <a:endParaRPr lang="en-US"/>
           </a:p>
@@ -1172,7 +1252,7 @@
           <a:p>
             <a:fld id="{78C97017-6FC3-485B-9764-EAC9E56C1D49}" type="datetimeFigureOut">
               <a:rPr lang="en-US" smtClean="0"/>
-              <a:t>7/11/2017</a:t>
+              <a:t>12/15/2018</a:t>
             </a:fld>
             <a:endParaRPr lang="en-US"/>
           </a:p>
@@ -1417,7 +1497,7 @@
           <a:p>
             <a:fld id="{78C97017-6FC3-485B-9764-EAC9E56C1D49}" type="datetimeFigureOut">
               <a:rPr lang="en-US" smtClean="0"/>
-              <a:t>7/11/2017</a:t>
+              <a:t>12/15/2018</a:t>
             </a:fld>
             <a:endParaRPr lang="en-US"/>
           </a:p>
@@ -1702,7 +1782,7 @@
           <a:p>
             <a:fld id="{78C97017-6FC3-485B-9764-EAC9E56C1D49}" type="datetimeFigureOut">
               <a:rPr lang="en-US" smtClean="0"/>
-              <a:t>7/11/2017</a:t>
+              <a:t>12/15/2018</a:t>
             </a:fld>
             <a:endParaRPr lang="en-US"/>
           </a:p>
@@ -2121,7 +2201,7 @@
           <a:p>
             <a:fld id="{78C97017-6FC3-485B-9764-EAC9E56C1D49}" type="datetimeFigureOut">
               <a:rPr lang="en-US" smtClean="0"/>
-              <a:t>7/11/2017</a:t>
+              <a:t>12/15/2018</a:t>
             </a:fld>
             <a:endParaRPr lang="en-US"/>
           </a:p>
@@ -2238,7 +2318,7 @@
           <a:p>
             <a:fld id="{78C97017-6FC3-485B-9764-EAC9E56C1D49}" type="datetimeFigureOut">
               <a:rPr lang="en-US" smtClean="0"/>
-              <a:t>7/11/2017</a:t>
+              <a:t>12/15/2018</a:t>
             </a:fld>
             <a:endParaRPr lang="en-US"/>
           </a:p>
@@ -2333,7 +2413,7 @@
           <a:p>
             <a:fld id="{78C97017-6FC3-485B-9764-EAC9E56C1D49}" type="datetimeFigureOut">
               <a:rPr lang="en-US" smtClean="0"/>
-              <a:t>7/11/2017</a:t>
+              <a:t>12/15/2018</a:t>
             </a:fld>
             <a:endParaRPr lang="en-US"/>
           </a:p>
@@ -2608,7 +2688,7 @@
           <a:p>
             <a:fld id="{78C97017-6FC3-485B-9764-EAC9E56C1D49}" type="datetimeFigureOut">
               <a:rPr lang="en-US" smtClean="0"/>
-              <a:t>7/11/2017</a:t>
+              <a:t>12/15/2018</a:t>
             </a:fld>
             <a:endParaRPr lang="en-US"/>
           </a:p>
@@ -2860,7 +2940,7 @@
           <a:p>
             <a:fld id="{78C97017-6FC3-485B-9764-EAC9E56C1D49}" type="datetimeFigureOut">
               <a:rPr lang="en-US" smtClean="0"/>
-              <a:t>7/11/2017</a:t>
+              <a:t>12/15/2018</a:t>
             </a:fld>
             <a:endParaRPr lang="en-US"/>
           </a:p>
@@ -3071,7 +3151,7 @@
           <a:p>
             <a:fld id="{78C97017-6FC3-485B-9764-EAC9E56C1D49}" type="datetimeFigureOut">
               <a:rPr lang="en-US" smtClean="0"/>
-              <a:t>7/11/2017</a:t>
+              <a:t>12/15/2018</a:t>
             </a:fld>
             <a:endParaRPr lang="en-US"/>
           </a:p>
@@ -3448,28 +3528,25 @@
       </p:grpSpPr>
       <p:sp>
         <p:nvSpPr>
-          <p:cNvPr id="81" name="Rectangle 65"/>
+          <p:cNvPr id="2" name="Rectangle 62"/>
           <p:cNvSpPr/>
           <p:nvPr/>
         </p:nvSpPr>
         <p:spPr>
           <a:xfrm>
-            <a:off x="685800" y="1981200"/>
-            <a:ext cx="7252956" cy="4000286"/>
+            <a:off x="1905000" y="2209800"/>
+            <a:ext cx="1093635" cy="346760"/>
           </a:xfrm>
-          <a:prstGeom prst="roundRect">
-            <a:avLst>
-              <a:gd name="adj" fmla="val 3484"/>
-            </a:avLst>
+          <a:prstGeom prst="rect">
+            <a:avLst/>
           </a:prstGeom>
           <a:solidFill>
-            <a:schemeClr val="accent1">
-              <a:lumMod val="20000"/>
-              <a:lumOff val="80000"/>
-            </a:schemeClr>
+            <a:srgbClr val="00B050"/>
           </a:solidFill>
           <a:ln w="19050">
-            <a:noFill/>
+            <a:solidFill>
+              <a:srgbClr val="00B050"/>
+            </a:solidFill>
           </a:ln>
           <a:effectLst/>
         </p:spPr>
@@ -3488,35 +3565,343 @@
           </a:fontRef>
         </p:style>
         <p:txBody>
-          <a:bodyPr rtlCol="0" anchor="t"/>
-          <a:lstStyle/>
-          <a:p>
-            <a:r>
-              <a:rPr lang="en-US" sz="1200" b="1" dirty="0">
+          <a:bodyPr rtlCol="0" anchor="ctr"/>
+          <a:lstStyle/>
+          <a:p>
+            <a:pPr algn="ctr"/>
+            <a:r>
+              <a:rPr lang="en-US" sz="1600" dirty="0">
                 <a:solidFill>
-                  <a:srgbClr val="0070C0"/>
+                  <a:schemeClr val="bg1"/>
                 </a:solidFill>
               </a:rPr>
-              <a:t>Logic</a:t>
-            </a:r>
-            <a:endParaRPr lang="en-SG" sz="1200" b="1" dirty="0">
+              <a:t>:UI</a:t>
+            </a:r>
+            <a:endParaRPr lang="en-SG" sz="1600" dirty="0">
               <a:solidFill>
-                <a:srgbClr val="0070C0"/>
+                <a:schemeClr val="bg1"/>
               </a:solidFill>
             </a:endParaRPr>
           </a:p>
         </p:txBody>
       </p:sp>
-      <p:sp>
-        <p:nvSpPr>
-          <p:cNvPr id="2" name="Rectangle 62"/>
+      <p:cxnSp>
+        <p:nvCxnSpPr>
+          <p:cNvPr id="5" name="Straight Connector 4"/>
+          <p:cNvCxnSpPr>
+            <a:cxnSpLocks/>
+          </p:cNvCxnSpPr>
+          <p:nvPr/>
+        </p:nvCxnSpPr>
+        <p:spPr>
+          <a:xfrm>
+            <a:off x="2422261" y="2573471"/>
+            <a:ext cx="0" cy="2236189"/>
+          </a:xfrm>
+          <a:prstGeom prst="line">
+            <a:avLst/>
+          </a:prstGeom>
+          <a:ln w="19050">
+            <a:solidFill>
+              <a:srgbClr val="00B050"/>
+            </a:solidFill>
+            <a:prstDash val="sysDash"/>
+          </a:ln>
+          <a:effectLst/>
+        </p:spPr>
+        <p:style>
+          <a:lnRef idx="1">
+            <a:schemeClr val="accent1"/>
+          </a:lnRef>
+          <a:fillRef idx="2">
+            <a:schemeClr val="accent1"/>
+          </a:fillRef>
+          <a:effectRef idx="1">
+            <a:schemeClr val="accent1"/>
+          </a:effectRef>
+          <a:fontRef idx="minor">
+            <a:schemeClr val="dk1"/>
+          </a:fontRef>
+        </p:style>
+      </p:cxnSp>
+      <p:sp>
+        <p:nvSpPr>
+          <p:cNvPr id="6" name="Rectangle 5"/>
           <p:cNvSpPr/>
           <p:nvPr/>
         </p:nvSpPr>
         <p:spPr>
           <a:xfrm>
-            <a:off x="845045" y="2296546"/>
-            <a:ext cx="1455629" cy="346760"/>
+            <a:off x="2350253" y="2924166"/>
+            <a:ext cx="152400" cy="1733094"/>
+          </a:xfrm>
+          <a:prstGeom prst="rect">
+            <a:avLst/>
+          </a:prstGeom>
+          <a:solidFill>
+            <a:srgbClr val="00B050"/>
+          </a:solidFill>
+          <a:ln>
+            <a:solidFill>
+              <a:srgbClr val="00B050"/>
+            </a:solidFill>
+          </a:ln>
+          <a:effectLst/>
+        </p:spPr>
+        <p:style>
+          <a:lnRef idx="1">
+            <a:schemeClr val="accent3"/>
+          </a:lnRef>
+          <a:fillRef idx="2">
+            <a:schemeClr val="accent3"/>
+          </a:fillRef>
+          <a:effectRef idx="1">
+            <a:schemeClr val="accent3"/>
+          </a:effectRef>
+          <a:fontRef idx="minor">
+            <a:schemeClr val="dk1"/>
+          </a:fontRef>
+        </p:style>
+        <p:txBody>
+          <a:bodyPr rtlCol="0" anchor="ctr"/>
+          <a:lstStyle/>
+          <a:p>
+            <a:pPr algn="ctr"/>
+            <a:endParaRPr lang="en-SG" sz="1400">
+              <a:solidFill>
+                <a:schemeClr val="dk1"/>
+              </a:solidFill>
+            </a:endParaRPr>
+          </a:p>
+        </p:txBody>
+      </p:sp>
+      <p:grpSp>
+        <p:nvGrpSpPr>
+          <p:cNvPr id="7" name="Actor"/>
+          <p:cNvGrpSpPr/>
+          <p:nvPr/>
+        </p:nvGrpSpPr>
+        <p:grpSpPr>
+          <a:xfrm>
+            <a:off x="910815" y="2146326"/>
+            <a:ext cx="324036" cy="573410"/>
+            <a:chOff x="3239901" y="4149080"/>
+            <a:chExt cx="648072" cy="1146820"/>
+          </a:xfrm>
+        </p:grpSpPr>
+        <p:sp>
+          <p:nvSpPr>
+            <p:cNvPr id="8" name="Flowchart: Connector 7"/>
+            <p:cNvSpPr/>
+            <p:nvPr/>
+          </p:nvSpPr>
+          <p:spPr>
+            <a:xfrm>
+              <a:off x="3419872" y="4149080"/>
+              <a:ext cx="288032" cy="288032"/>
+            </a:xfrm>
+            <a:prstGeom prst="flowChartConnector">
+              <a:avLst/>
+            </a:prstGeom>
+            <a:solidFill>
+              <a:schemeClr val="bg1">
+                <a:lumMod val="85000"/>
+              </a:schemeClr>
+            </a:solidFill>
+            <a:ln w="28575">
+              <a:solidFill>
+                <a:schemeClr val="tx1"/>
+              </a:solidFill>
+            </a:ln>
+            <a:effectLst/>
+          </p:spPr>
+          <p:style>
+            <a:lnRef idx="1">
+              <a:schemeClr val="accent4"/>
+            </a:lnRef>
+            <a:fillRef idx="2">
+              <a:schemeClr val="accent4"/>
+            </a:fillRef>
+            <a:effectRef idx="1">
+              <a:schemeClr val="accent4"/>
+            </a:effectRef>
+            <a:fontRef idx="minor">
+              <a:schemeClr val="dk1"/>
+            </a:fontRef>
+          </p:style>
+          <p:txBody>
+            <a:bodyPr rtlCol="0" anchor="ctr"/>
+            <a:lstStyle/>
+            <a:p>
+              <a:pPr algn="ctr"/>
+              <a:endParaRPr lang="en-SG"/>
+            </a:p>
+          </p:txBody>
+        </p:sp>
+        <p:cxnSp>
+          <p:nvCxnSpPr>
+            <p:cNvPr id="9" name="Straight Connector 8"/>
+            <p:cNvCxnSpPr>
+              <a:stCxn id="8" idx="4"/>
+            </p:cNvCxnSpPr>
+            <p:nvPr/>
+          </p:nvCxnSpPr>
+          <p:spPr>
+            <a:xfrm>
+              <a:off x="3563888" y="4437112"/>
+              <a:ext cx="0" cy="504056"/>
+            </a:xfrm>
+            <a:prstGeom prst="line">
+              <a:avLst/>
+            </a:prstGeom>
+            <a:ln w="28575">
+              <a:solidFill>
+                <a:schemeClr val="tx1"/>
+              </a:solidFill>
+            </a:ln>
+            <a:effectLst/>
+          </p:spPr>
+          <p:style>
+            <a:lnRef idx="1">
+              <a:schemeClr val="accent4"/>
+            </a:lnRef>
+            <a:fillRef idx="2">
+              <a:schemeClr val="accent4"/>
+            </a:fillRef>
+            <a:effectRef idx="1">
+              <a:schemeClr val="accent4"/>
+            </a:effectRef>
+            <a:fontRef idx="minor">
+              <a:schemeClr val="dk1"/>
+            </a:fontRef>
+          </p:style>
+        </p:cxnSp>
+        <p:sp>
+          <p:nvSpPr>
+            <p:cNvPr id="10" name="Freeform 9"/>
+            <p:cNvSpPr/>
+            <p:nvPr/>
+          </p:nvSpPr>
+          <p:spPr>
+            <a:xfrm>
+              <a:off x="3324225" y="4933950"/>
+              <a:ext cx="479425" cy="361950"/>
+            </a:xfrm>
+            <a:custGeom>
+              <a:avLst/>
+              <a:gdLst>
+                <a:gd name="connsiteX0" fmla="*/ 0 w 479425"/>
+                <a:gd name="connsiteY0" fmla="*/ 355600 h 361950"/>
+                <a:gd name="connsiteX1" fmla="*/ 241300 w 479425"/>
+                <a:gd name="connsiteY1" fmla="*/ 0 h 361950"/>
+                <a:gd name="connsiteX2" fmla="*/ 479425 w 479425"/>
+                <a:gd name="connsiteY2" fmla="*/ 361950 h 361950"/>
+              </a:gdLst>
+              <a:ahLst/>
+              <a:cxnLst>
+                <a:cxn ang="0">
+                  <a:pos x="connsiteX0" y="connsiteY0"/>
+                </a:cxn>
+                <a:cxn ang="0">
+                  <a:pos x="connsiteX1" y="connsiteY1"/>
+                </a:cxn>
+                <a:cxn ang="0">
+                  <a:pos x="connsiteX2" y="connsiteY2"/>
+                </a:cxn>
+              </a:cxnLst>
+              <a:rect l="l" t="t" r="r" b="b"/>
+              <a:pathLst>
+                <a:path w="479425" h="361950">
+                  <a:moveTo>
+                    <a:pt x="0" y="355600"/>
+                  </a:moveTo>
+                  <a:lnTo>
+                    <a:pt x="241300" y="0"/>
+                  </a:lnTo>
+                  <a:lnTo>
+                    <a:pt x="479425" y="361950"/>
+                  </a:lnTo>
+                </a:path>
+              </a:pathLst>
+            </a:custGeom>
+            <a:noFill/>
+            <a:ln w="28575">
+              <a:solidFill>
+                <a:schemeClr val="tx1"/>
+              </a:solidFill>
+            </a:ln>
+            <a:effectLst/>
+          </p:spPr>
+          <p:style>
+            <a:lnRef idx="1">
+              <a:schemeClr val="accent4"/>
+            </a:lnRef>
+            <a:fillRef idx="2">
+              <a:schemeClr val="accent4"/>
+            </a:fillRef>
+            <a:effectRef idx="1">
+              <a:schemeClr val="accent4"/>
+            </a:effectRef>
+            <a:fontRef idx="minor">
+              <a:schemeClr val="dk1"/>
+            </a:fontRef>
+          </p:style>
+          <p:txBody>
+            <a:bodyPr rtlCol="0" anchor="ctr"/>
+            <a:lstStyle/>
+            <a:p>
+              <a:pPr algn="ctr"/>
+              <a:endParaRPr lang="en-SG"/>
+            </a:p>
+          </p:txBody>
+        </p:sp>
+        <p:cxnSp>
+          <p:nvCxnSpPr>
+            <p:cNvPr id="11" name="Straight Connector 10"/>
+            <p:cNvCxnSpPr/>
+            <p:nvPr/>
+          </p:nvCxnSpPr>
+          <p:spPr>
+            <a:xfrm>
+              <a:off x="3239901" y="4509120"/>
+              <a:ext cx="648072" cy="0"/>
+            </a:xfrm>
+            <a:prstGeom prst="line">
+              <a:avLst/>
+            </a:prstGeom>
+            <a:ln w="28575">
+              <a:solidFill>
+                <a:schemeClr val="tx1"/>
+              </a:solidFill>
+            </a:ln>
+            <a:effectLst/>
+          </p:spPr>
+          <p:style>
+            <a:lnRef idx="1">
+              <a:schemeClr val="accent4"/>
+            </a:lnRef>
+            <a:fillRef idx="2">
+              <a:schemeClr val="accent4"/>
+            </a:fillRef>
+            <a:effectRef idx="1">
+              <a:schemeClr val="accent4"/>
+            </a:effectRef>
+            <a:fontRef idx="minor">
+              <a:schemeClr val="dk1"/>
+            </a:fontRef>
+          </p:style>
+        </p:cxnSp>
+      </p:grpSp>
+      <p:sp>
+        <p:nvSpPr>
+          <p:cNvPr id="16" name="Rectangle 62"/>
+          <p:cNvSpPr/>
+          <p:nvPr/>
+        </p:nvSpPr>
+        <p:spPr>
+          <a:xfrm>
+            <a:off x="3560206" y="2217153"/>
+            <a:ext cx="1093635" cy="346760"/>
           </a:xfrm>
           <a:prstGeom prst="rect">
             <a:avLst/>
@@ -3556,15 +3941,7 @@
                   <a:schemeClr val="bg1"/>
                 </a:solidFill>
               </a:rPr>
-              <a:t>:</a:t>
-            </a:r>
-            <a:r>
-              <a:rPr lang="en-US" sz="1600" dirty="0" err="1">
-                <a:solidFill>
-                  <a:schemeClr val="bg1"/>
-                </a:solidFill>
-              </a:rPr>
-              <a:t>LogicManager</a:t>
+              <a:t>:Logic</a:t>
             </a:r>
             <a:endParaRPr lang="en-SG" sz="1600" dirty="0">
               <a:solidFill>
@@ -3576,14 +3953,16 @@
       </p:sp>
       <p:cxnSp>
         <p:nvCxnSpPr>
-          <p:cNvPr id="5" name="Straight Connector 4"/>
-          <p:cNvCxnSpPr/>
+          <p:cNvPr id="17" name="Straight Connector 16"/>
+          <p:cNvCxnSpPr>
+            <a:cxnSpLocks/>
+          </p:cNvCxnSpPr>
           <p:nvPr/>
         </p:nvCxnSpPr>
         <p:spPr>
           <a:xfrm>
-            <a:off x="1572859" y="2660217"/>
-            <a:ext cx="0" cy="2597583"/>
+            <a:off x="4107023" y="2580824"/>
+            <a:ext cx="0" cy="2232502"/>
           </a:xfrm>
           <a:prstGeom prst="line">
             <a:avLst/>
@@ -3613,14 +3992,14 @@
       </p:cxnSp>
       <p:sp>
         <p:nvSpPr>
-          <p:cNvPr id="6" name="Rectangle 5"/>
+          <p:cNvPr id="18" name="Rectangle 17"/>
           <p:cNvSpPr/>
           <p:nvPr/>
         </p:nvSpPr>
         <p:spPr>
           <a:xfrm>
-            <a:off x="1500851" y="3010911"/>
-            <a:ext cx="152400" cy="2780287"/>
+            <a:off x="4035015" y="3039017"/>
+            <a:ext cx="152376" cy="1477495"/>
           </a:xfrm>
           <a:prstGeom prst="rect">
             <a:avLst/>
@@ -3654,30 +4033,34 @@
           <a:lstStyle/>
           <a:p>
             <a:pPr algn="ctr"/>
-            <a:endParaRPr lang="en-SG" sz="1400"/>
-          </a:p>
-        </p:txBody>
-      </p:sp>
-      <p:sp>
-        <p:nvSpPr>
-          <p:cNvPr id="16" name="Rectangle 62"/>
+            <a:endParaRPr lang="en-SG" sz="1400">
+              <a:solidFill>
+                <a:schemeClr val="dk1"/>
+              </a:solidFill>
+            </a:endParaRPr>
+          </a:p>
+        </p:txBody>
+      </p:sp>
+      <p:sp>
+        <p:nvSpPr>
+          <p:cNvPr id="19" name="Rectangle 62"/>
           <p:cNvSpPr/>
           <p:nvPr/>
         </p:nvSpPr>
         <p:spPr>
           <a:xfrm>
-            <a:off x="2743200" y="2179309"/>
-            <a:ext cx="1219200" cy="467684"/>
+            <a:off x="5215412" y="2213466"/>
+            <a:ext cx="1093635" cy="346760"/>
           </a:xfrm>
           <a:prstGeom prst="rect">
             <a:avLst/>
           </a:prstGeom>
           <a:solidFill>
-            <a:srgbClr val="0070C0"/>
+            <a:srgbClr val="7030A0"/>
           </a:solidFill>
           <a:ln w="19050">
             <a:solidFill>
-              <a:srgbClr val="0070C0"/>
+              <a:srgbClr val="7030A0"/>
             </a:solidFill>
           </a:ln>
           <a:effectLst/>
@@ -3707,18 +4090,7 @@
                   <a:schemeClr val="bg1"/>
                 </a:solidFill>
               </a:rPr>
-              <a:t>:Address</a:t>
-            </a:r>
-          </a:p>
-          <a:p>
-            <a:pPr algn="ctr"/>
-            <a:r>
-              <a:rPr lang="en-US" sz="1600" dirty="0" err="1">
-                <a:solidFill>
-                  <a:schemeClr val="bg1"/>
-                </a:solidFill>
-              </a:rPr>
-              <a:t>BookParser</a:t>
+              <a:t>:Model</a:t>
             </a:r>
             <a:endParaRPr lang="en-SG" sz="1600" dirty="0">
               <a:solidFill>
@@ -3730,21 +4102,23 @@
       </p:sp>
       <p:cxnSp>
         <p:nvCxnSpPr>
-          <p:cNvPr id="17" name="Straight Connector 16"/>
-          <p:cNvCxnSpPr/>
+          <p:cNvPr id="20" name="Straight Connector 19"/>
+          <p:cNvCxnSpPr>
+            <a:cxnSpLocks/>
+          </p:cNvCxnSpPr>
           <p:nvPr/>
         </p:nvCxnSpPr>
         <p:spPr>
           <a:xfrm>
-            <a:off x="3356599" y="2663904"/>
-            <a:ext cx="0" cy="1695374"/>
+            <a:off x="5762229" y="2577137"/>
+            <a:ext cx="0" cy="2236189"/>
           </a:xfrm>
           <a:prstGeom prst="line">
             <a:avLst/>
           </a:prstGeom>
           <a:ln w="19050">
             <a:solidFill>
-              <a:srgbClr val="0070C0"/>
+              <a:srgbClr val="7030A0"/>
             </a:solidFill>
             <a:prstDash val="sysDash"/>
           </a:ln>
@@ -3767,24 +4141,24 @@
       </p:cxnSp>
       <p:sp>
         <p:nvSpPr>
-          <p:cNvPr id="18" name="Rectangle 17"/>
+          <p:cNvPr id="21" name="Rectangle 20"/>
           <p:cNvSpPr/>
           <p:nvPr/>
         </p:nvSpPr>
         <p:spPr>
           <a:xfrm>
-            <a:off x="3284590" y="3122096"/>
-            <a:ext cx="174929" cy="1129459"/>
+            <a:off x="5690221" y="3143948"/>
+            <a:ext cx="142006" cy="476510"/>
           </a:xfrm>
           <a:prstGeom prst="rect">
             <a:avLst/>
           </a:prstGeom>
           <a:solidFill>
-            <a:srgbClr val="0070C0"/>
+            <a:srgbClr val="7030A0"/>
           </a:solidFill>
           <a:ln>
             <a:solidFill>
-              <a:srgbClr val="0070C0"/>
+              <a:srgbClr val="7030A0"/>
             </a:solidFill>
           </a:ln>
           <a:effectLst/>
@@ -3816,176 +4190,86 @@
           </a:p>
         </p:txBody>
       </p:sp>
-      <p:sp>
-        <p:nvSpPr>
-          <p:cNvPr id="19" name="Rectangle 62"/>
-          <p:cNvSpPr/>
+      <p:cxnSp>
+        <p:nvCxnSpPr>
+          <p:cNvPr id="23" name="Straight Arrow Connector 22"/>
+          <p:cNvCxnSpPr>
+            <a:cxnSpLocks/>
+          </p:cNvCxnSpPr>
+          <p:nvPr/>
+        </p:nvCxnSpPr>
+        <p:spPr>
+          <a:xfrm flipV="1">
+            <a:off x="1263008" y="2931519"/>
+            <a:ext cx="1095607" cy="1"/>
+          </a:xfrm>
+          <a:prstGeom prst="straightConnector1">
+            <a:avLst/>
+          </a:prstGeom>
+          <a:ln w="19050">
+            <a:solidFill>
+              <a:schemeClr val="tx1"/>
+            </a:solidFill>
+            <a:tailEnd type="arrow"/>
+          </a:ln>
+        </p:spPr>
+        <p:style>
+          <a:lnRef idx="1">
+            <a:schemeClr val="accent1"/>
+          </a:lnRef>
+          <a:fillRef idx="0">
+            <a:schemeClr val="accent1"/>
+          </a:fillRef>
+          <a:effectRef idx="0">
+            <a:schemeClr val="accent1"/>
+          </a:effectRef>
+          <a:fontRef idx="minor">
+            <a:schemeClr val="tx1"/>
+          </a:fontRef>
+        </p:style>
+      </p:cxnSp>
+      <p:sp>
+        <p:nvSpPr>
+          <p:cNvPr id="24" name="TextBox 23"/>
+          <p:cNvSpPr txBox="1"/>
           <p:nvPr/>
         </p:nvSpPr>
         <p:spPr>
           <a:xfrm>
-            <a:off x="6221565" y="3312740"/>
-            <a:ext cx="1093635" cy="461538"/>
+            <a:off x="1345305" y="2989204"/>
+            <a:ext cx="860170" cy="215444"/>
           </a:xfrm>
           <a:prstGeom prst="rect">
             <a:avLst/>
           </a:prstGeom>
-          <a:solidFill>
-            <a:srgbClr val="0070C0"/>
-          </a:solidFill>
-          <a:ln w="19050">
-            <a:solidFill>
-              <a:srgbClr val="0070C0"/>
-            </a:solidFill>
-          </a:ln>
-          <a:effectLst/>
+          <a:noFill/>
         </p:spPr>
-        <p:style>
-          <a:lnRef idx="1">
-            <a:schemeClr val="accent2"/>
-          </a:lnRef>
-          <a:fillRef idx="2">
-            <a:schemeClr val="accent2"/>
-          </a:fillRef>
-          <a:effectRef idx="1">
-            <a:schemeClr val="accent2"/>
-          </a:effectRef>
-          <a:fontRef idx="minor">
-            <a:schemeClr val="dk1"/>
-          </a:fontRef>
-        </p:style>
-        <p:txBody>
-          <a:bodyPr rtlCol="0" anchor="ctr"/>
+        <p:txBody>
+          <a:bodyPr wrap="square" lIns="0" tIns="0" rIns="0" bIns="0" rtlCol="0">
+            <a:spAutoFit/>
+          </a:bodyPr>
           <a:lstStyle/>
           <a:p>
             <a:pPr algn="ctr"/>
             <a:r>
-              <a:rPr lang="en-US" sz="1600" dirty="0">
-                <a:solidFill>
-                  <a:schemeClr val="bg1"/>
-                </a:solidFill>
-              </a:rPr>
-              <a:t>d:Delete</a:t>
-            </a:r>
-            <a:br>
-              <a:rPr lang="en-US" sz="1600" dirty="0">
-                <a:solidFill>
-                  <a:schemeClr val="bg1"/>
-                </a:solidFill>
-              </a:rPr>
-            </a:br>
-            <a:r>
-              <a:rPr lang="en-US" sz="1600" dirty="0">
-                <a:solidFill>
-                  <a:schemeClr val="bg1"/>
-                </a:solidFill>
-              </a:rPr>
-              <a:t>Command</a:t>
-            </a:r>
-            <a:endParaRPr lang="en-SG" sz="1600" dirty="0">
-              <a:solidFill>
-                <a:schemeClr val="bg1"/>
-              </a:solidFill>
-            </a:endParaRPr>
+              <a:rPr lang="en-US" sz="1400" dirty="0"/>
+              <a:t>delete 1</a:t>
+            </a:r>
           </a:p>
         </p:txBody>
       </p:sp>
       <p:cxnSp>
         <p:nvCxnSpPr>
-          <p:cNvPr id="20" name="Straight Connector 19"/>
+          <p:cNvPr id="25" name="Straight Arrow Connector 24"/>
           <p:cNvCxnSpPr>
-            <a:stCxn id="21" idx="0"/>
+            <a:cxnSpLocks/>
           </p:cNvCxnSpPr>
           <p:nvPr/>
         </p:nvCxnSpPr>
         <p:spPr>
           <a:xfrm>
-            <a:off x="6772574" y="3774278"/>
-            <a:ext cx="0" cy="1940722"/>
-          </a:xfrm>
-          <a:prstGeom prst="line">
-            <a:avLst/>
-          </a:prstGeom>
-          <a:ln w="19050">
-            <a:solidFill>
-              <a:srgbClr val="0070C0"/>
-            </a:solidFill>
-            <a:prstDash val="sysDash"/>
-          </a:ln>
-          <a:effectLst/>
-        </p:spPr>
-        <p:style>
-          <a:lnRef idx="1">
-            <a:schemeClr val="accent1"/>
-          </a:lnRef>
-          <a:fillRef idx="2">
-            <a:schemeClr val="accent1"/>
-          </a:fillRef>
-          <a:effectRef idx="1">
-            <a:schemeClr val="accent1"/>
-          </a:effectRef>
-          <a:fontRef idx="minor">
-            <a:schemeClr val="dk1"/>
-          </a:fontRef>
-        </p:style>
-      </p:cxnSp>
-      <p:sp>
-        <p:nvSpPr>
-          <p:cNvPr id="21" name="Rectangle 20"/>
-          <p:cNvSpPr/>
-          <p:nvPr/>
-        </p:nvSpPr>
-        <p:spPr>
-          <a:xfrm>
-            <a:off x="6696374" y="3774278"/>
-            <a:ext cx="152400" cy="276003"/>
-          </a:xfrm>
-          <a:prstGeom prst="rect">
-            <a:avLst/>
-          </a:prstGeom>
-          <a:solidFill>
-            <a:srgbClr val="0070C0"/>
-          </a:solidFill>
-          <a:ln>
-            <a:solidFill>
-              <a:srgbClr val="0070C0"/>
-            </a:solidFill>
-          </a:ln>
-          <a:effectLst/>
-        </p:spPr>
-        <p:style>
-          <a:lnRef idx="1">
-            <a:schemeClr val="accent3"/>
-          </a:lnRef>
-          <a:fillRef idx="2">
-            <a:schemeClr val="accent3"/>
-          </a:fillRef>
-          <a:effectRef idx="1">
-            <a:schemeClr val="accent3"/>
-          </a:effectRef>
-          <a:fontRef idx="minor">
-            <a:schemeClr val="dk1"/>
-          </a:fontRef>
-        </p:style>
-        <p:txBody>
-          <a:bodyPr rtlCol="0" anchor="ctr"/>
-          <a:lstStyle/>
-          <a:p>
-            <a:pPr algn="ctr"/>
-            <a:endParaRPr lang="en-SG" sz="1400"/>
-          </a:p>
-        </p:txBody>
-      </p:sp>
-      <p:cxnSp>
-        <p:nvCxnSpPr>
-          <p:cNvPr id="23" name="Straight Arrow Connector 22"/>
-          <p:cNvCxnSpPr/>
-          <p:nvPr/>
-        </p:nvCxnSpPr>
-        <p:spPr>
-          <a:xfrm>
-            <a:off x="381000" y="3014599"/>
-            <a:ext cx="1119851" cy="0"/>
+            <a:off x="2518129" y="3039017"/>
+            <a:ext cx="1516886" cy="1"/>
           </a:xfrm>
           <a:prstGeom prst="straightConnector1">
             <a:avLst/>
@@ -4012,16 +4296,52 @@
           </a:fontRef>
         </p:style>
       </p:cxnSp>
+      <p:sp>
+        <p:nvSpPr>
+          <p:cNvPr id="26" name="TextBox 25"/>
+          <p:cNvSpPr txBox="1"/>
+          <p:nvPr/>
+        </p:nvSpPr>
+        <p:spPr>
+          <a:xfrm>
+            <a:off x="2552219" y="3082866"/>
+            <a:ext cx="1424846" cy="215444"/>
+          </a:xfrm>
+          <a:prstGeom prst="rect">
+            <a:avLst/>
+          </a:prstGeom>
+          <a:noFill/>
+        </p:spPr>
+        <p:txBody>
+          <a:bodyPr wrap="square" lIns="0" tIns="0" rIns="0" bIns="0" rtlCol="0">
+            <a:spAutoFit/>
+          </a:bodyPr>
+          <a:lstStyle/>
+          <a:p>
+            <a:pPr algn="ctr"/>
+            <a:r>
+              <a:rPr lang="en-US" sz="1400" dirty="0">
+                <a:solidFill>
+                  <a:srgbClr val="0070C0"/>
+                </a:solidFill>
+              </a:rPr>
+              <a:t>execute(“delete 1”)</a:t>
+            </a:r>
+          </a:p>
+        </p:txBody>
+      </p:sp>
       <p:cxnSp>
         <p:nvCxnSpPr>
-          <p:cNvPr id="25" name="Straight Arrow Connector 24"/>
-          <p:cNvCxnSpPr/>
+          <p:cNvPr id="28" name="Straight Arrow Connector 27"/>
+          <p:cNvCxnSpPr>
+            <a:cxnSpLocks/>
+          </p:cNvCxnSpPr>
           <p:nvPr/>
         </p:nvCxnSpPr>
         <p:spPr>
           <a:xfrm flipV="1">
-            <a:off x="1653251" y="3122097"/>
-            <a:ext cx="1596514" cy="1"/>
+            <a:off x="4179031" y="3143948"/>
+            <a:ext cx="1532384" cy="1"/>
           </a:xfrm>
           <a:prstGeom prst="straightConnector1">
             <a:avLst/>
@@ -4050,14 +4370,14 @@
       </p:cxnSp>
       <p:sp>
         <p:nvSpPr>
-          <p:cNvPr id="26" name="TextBox 25"/>
+          <p:cNvPr id="29" name="TextBox 28"/>
           <p:cNvSpPr txBox="1"/>
           <p:nvPr/>
         </p:nvSpPr>
         <p:spPr>
           <a:xfrm>
-            <a:off x="0" y="2743200"/>
-            <a:ext cx="1424846" cy="215444"/>
+            <a:off x="4371378" y="3150453"/>
+            <a:ext cx="1228707" cy="215444"/>
           </a:xfrm>
           <a:prstGeom prst="rect">
             <a:avLst/>
@@ -4070,111 +4390,45 @@
           </a:bodyPr>
           <a:lstStyle/>
           <a:p>
-            <a:pPr algn="r"/>
+            <a:pPr algn="ctr"/>
+            <a:r>
+              <a:rPr lang="en-US" sz="1400" dirty="0" err="1">
+                <a:solidFill>
+                  <a:srgbClr val="7030A0"/>
+                </a:solidFill>
+              </a:rPr>
+              <a:t>deletePerson</a:t>
+            </a:r>
             <a:r>
               <a:rPr lang="en-US" sz="1400" dirty="0">
                 <a:solidFill>
-                  <a:srgbClr val="0070C0"/>
+                  <a:srgbClr val="7030A0"/>
                 </a:solidFill>
               </a:rPr>
-              <a:t>execute(“delete 1”)</a:t>
+              <a:t>(p)</a:t>
             </a:r>
           </a:p>
         </p:txBody>
       </p:sp>
       <p:cxnSp>
         <p:nvCxnSpPr>
-          <p:cNvPr id="28" name="Straight Arrow Connector 27"/>
-          <p:cNvCxnSpPr/>
+          <p:cNvPr id="34" name="Straight Arrow Connector 33"/>
+          <p:cNvCxnSpPr>
+            <a:cxnSpLocks/>
+          </p:cNvCxnSpPr>
           <p:nvPr/>
         </p:nvCxnSpPr>
         <p:spPr>
-          <a:xfrm flipV="1">
-            <a:off x="5257218" y="3703214"/>
-            <a:ext cx="922392" cy="1"/>
+          <a:xfrm>
+            <a:off x="4157837" y="3594126"/>
+            <a:ext cx="1532384" cy="0"/>
           </a:xfrm>
           <a:prstGeom prst="straightConnector1">
             <a:avLst/>
           </a:prstGeom>
           <a:ln w="19050">
             <a:solidFill>
-              <a:srgbClr val="0070C0"/>
-            </a:solidFill>
-            <a:tailEnd type="arrow"/>
-          </a:ln>
-        </p:spPr>
-        <p:style>
-          <a:lnRef idx="1">
-            <a:schemeClr val="accent1"/>
-          </a:lnRef>
-          <a:fillRef idx="0">
-            <a:schemeClr val="accent1"/>
-          </a:fillRef>
-          <a:effectRef idx="0">
-            <a:schemeClr val="accent1"/>
-          </a:effectRef>
-          <a:fontRef idx="minor">
-            <a:schemeClr val="tx1"/>
-          </a:fontRef>
-        </p:style>
-      </p:cxnSp>
-      <p:sp>
-        <p:nvSpPr>
-          <p:cNvPr id="29" name="TextBox 28"/>
-          <p:cNvSpPr txBox="1"/>
-          <p:nvPr/>
-        </p:nvSpPr>
-        <p:spPr>
-          <a:xfrm>
-            <a:off x="4257582" y="4251556"/>
-            <a:ext cx="855809" cy="215444"/>
-          </a:xfrm>
-          <a:prstGeom prst="rect">
-            <a:avLst/>
-          </a:prstGeom>
-          <a:noFill/>
-        </p:spPr>
-        <p:txBody>
-          <a:bodyPr wrap="square" lIns="0" tIns="0" rIns="0" bIns="0" rtlCol="0">
-            <a:spAutoFit/>
-          </a:bodyPr>
-          <a:lstStyle>
-            <a:defPPr>
-              <a:defRPr lang="en-US"/>
-            </a:defPPr>
-            <a:lvl1pPr algn="r">
-              <a:defRPr sz="1400">
-                <a:solidFill>
-                  <a:srgbClr val="0070C0"/>
-                </a:solidFill>
-              </a:defRPr>
-            </a:lvl1pPr>
-          </a:lstStyle>
-          <a:p>
-            <a:r>
-              <a:rPr lang="en-US" dirty="0"/>
-              <a:t>execute()</a:t>
-            </a:r>
-          </a:p>
-        </p:txBody>
-      </p:sp>
-      <p:cxnSp>
-        <p:nvCxnSpPr>
-          <p:cNvPr id="34" name="Straight Arrow Connector 33"/>
-          <p:cNvCxnSpPr/>
-          <p:nvPr/>
-        </p:nvCxnSpPr>
-        <p:spPr>
-          <a:xfrm>
-            <a:off x="5257800" y="4050281"/>
-            <a:ext cx="1492974" cy="0"/>
-          </a:xfrm>
-          <a:prstGeom prst="straightConnector1">
-            <a:avLst/>
-          </a:prstGeom>
-          <a:ln w="19050">
-            <a:solidFill>
-              <a:srgbClr val="0070C0"/>
+              <a:srgbClr val="7030A0"/>
             </a:solidFill>
             <a:prstDash val="sysDash"/>
             <a:headEnd type="arrow" w="med" len="med"/>
@@ -4199,13 +4453,15 @@
       <p:cxnSp>
         <p:nvCxnSpPr>
           <p:cNvPr id="35" name="Straight Arrow Connector 34"/>
-          <p:cNvCxnSpPr/>
+          <p:cNvCxnSpPr>
+            <a:cxnSpLocks/>
+          </p:cNvCxnSpPr>
           <p:nvPr/>
         </p:nvCxnSpPr>
         <p:spPr>
-          <a:xfrm flipV="1">
-            <a:off x="1670186" y="4243231"/>
-            <a:ext cx="1596514" cy="5378"/>
+          <a:xfrm>
+            <a:off x="2502653" y="4507812"/>
+            <a:ext cx="1532362" cy="0"/>
           </a:xfrm>
           <a:prstGeom prst="straightConnector1">
             <a:avLst/>
@@ -4237,20 +4493,22 @@
       <p:cxnSp>
         <p:nvCxnSpPr>
           <p:cNvPr id="37" name="Straight Arrow Connector 36"/>
-          <p:cNvCxnSpPr/>
+          <p:cNvCxnSpPr>
+            <a:cxnSpLocks/>
+          </p:cNvCxnSpPr>
           <p:nvPr/>
         </p:nvCxnSpPr>
         <p:spPr>
           <a:xfrm>
-            <a:off x="304800" y="5791200"/>
-            <a:ext cx="1196051" cy="0"/>
+            <a:off x="1263008" y="4657260"/>
+            <a:ext cx="1087245" cy="0"/>
           </a:xfrm>
           <a:prstGeom prst="straightConnector1">
             <a:avLst/>
           </a:prstGeom>
           <a:ln w="19050">
             <a:solidFill>
-              <a:schemeClr val="accent1"/>
+              <a:srgbClr val="00B050"/>
             </a:solidFill>
             <a:prstDash val="sysDash"/>
             <a:headEnd type="arrow" w="med" len="med"/>
@@ -4274,29 +4532,27 @@
       </p:cxnSp>
       <p:sp>
         <p:nvSpPr>
-          <p:cNvPr id="39" name="Rectangle 62"/>
+          <p:cNvPr id="53" name="Rectangle 62"/>
           <p:cNvSpPr/>
           <p:nvPr/>
         </p:nvSpPr>
         <p:spPr>
           <a:xfrm>
-            <a:off x="8265896" y="2362200"/>
-            <a:ext cx="1030504" cy="346760"/>
+            <a:off x="6870618" y="2213466"/>
+            <a:ext cx="1093635" cy="346760"/>
           </a:xfrm>
           <a:prstGeom prst="rect">
             <a:avLst/>
           </a:prstGeom>
           <a:solidFill>
-            <a:schemeClr val="accent4">
-              <a:lumMod val="60000"/>
-              <a:lumOff val="40000"/>
+            <a:schemeClr val="accent6">
+              <a:lumMod val="75000"/>
             </a:schemeClr>
           </a:solidFill>
           <a:ln w="19050">
             <a:solidFill>
-              <a:schemeClr val="accent4">
-                <a:lumMod val="60000"/>
-                <a:lumOff val="40000"/>
+              <a:schemeClr val="accent6">
+                <a:lumMod val="75000"/>
               </a:schemeClr>
             </a:solidFill>
           </a:ln>
@@ -4327,7 +4583,7 @@
                   <a:schemeClr val="bg1"/>
                 </a:solidFill>
               </a:rPr>
-              <a:t>:Model</a:t>
+              <a:t>:Storage</a:t>
             </a:r>
             <a:endParaRPr lang="en-SG" sz="1600" dirty="0">
               <a:solidFill>
@@ -4339,14 +4595,483 @@
       </p:sp>
       <p:cxnSp>
         <p:nvCxnSpPr>
-          <p:cNvPr id="64" name="Straight Arrow Connector 63"/>
-          <p:cNvCxnSpPr/>
+          <p:cNvPr id="54" name="Straight Connector 53"/>
+          <p:cNvCxnSpPr>
+            <a:cxnSpLocks/>
+          </p:cNvCxnSpPr>
           <p:nvPr/>
         </p:nvCxnSpPr>
         <p:spPr>
           <a:xfrm>
-            <a:off x="1653251" y="4495317"/>
-            <a:ext cx="5043123" cy="0"/>
+            <a:off x="7417435" y="2538761"/>
+            <a:ext cx="0" cy="2274565"/>
+          </a:xfrm>
+          <a:prstGeom prst="line">
+            <a:avLst/>
+          </a:prstGeom>
+          <a:ln w="19050">
+            <a:solidFill>
+              <a:schemeClr val="accent6">
+                <a:lumMod val="75000"/>
+              </a:schemeClr>
+            </a:solidFill>
+            <a:prstDash val="sysDash"/>
+          </a:ln>
+          <a:effectLst/>
+        </p:spPr>
+        <p:style>
+          <a:lnRef idx="1">
+            <a:schemeClr val="accent1"/>
+          </a:lnRef>
+          <a:fillRef idx="2">
+            <a:schemeClr val="accent1"/>
+          </a:fillRef>
+          <a:effectRef idx="1">
+            <a:schemeClr val="accent1"/>
+          </a:effectRef>
+          <a:fontRef idx="minor">
+            <a:schemeClr val="dk1"/>
+          </a:fontRef>
+        </p:style>
+      </p:cxnSp>
+      <p:sp>
+        <p:nvSpPr>
+          <p:cNvPr id="55" name="Rectangle 54"/>
+          <p:cNvSpPr/>
+          <p:nvPr/>
+        </p:nvSpPr>
+        <p:spPr>
+          <a:xfrm>
+            <a:off x="7351124" y="3879150"/>
+            <a:ext cx="124478" cy="457919"/>
+          </a:xfrm>
+          <a:prstGeom prst="rect">
+            <a:avLst/>
+          </a:prstGeom>
+          <a:solidFill>
+            <a:schemeClr val="accent6">
+              <a:lumMod val="75000"/>
+            </a:schemeClr>
+          </a:solidFill>
+          <a:ln>
+            <a:solidFill>
+              <a:schemeClr val="accent6">
+                <a:lumMod val="75000"/>
+              </a:schemeClr>
+            </a:solidFill>
+          </a:ln>
+          <a:effectLst/>
+        </p:spPr>
+        <p:style>
+          <a:lnRef idx="1">
+            <a:schemeClr val="accent3"/>
+          </a:lnRef>
+          <a:fillRef idx="2">
+            <a:schemeClr val="accent3"/>
+          </a:fillRef>
+          <a:effectRef idx="1">
+            <a:schemeClr val="accent3"/>
+          </a:effectRef>
+          <a:fontRef idx="minor">
+            <a:schemeClr val="dk1"/>
+          </a:fontRef>
+        </p:style>
+        <p:txBody>
+          <a:bodyPr rtlCol="0" anchor="ctr"/>
+          <a:lstStyle/>
+          <a:p>
+            <a:pPr algn="ctr"/>
+            <a:endParaRPr lang="en-SG" sz="1400">
+              <a:solidFill>
+                <a:schemeClr val="dk1"/>
+              </a:solidFill>
+            </a:endParaRPr>
+          </a:p>
+        </p:txBody>
+      </p:sp>
+      <p:cxnSp>
+        <p:nvCxnSpPr>
+          <p:cNvPr id="63" name="Straight Arrow Connector 62"/>
+          <p:cNvCxnSpPr>
+            <a:cxnSpLocks/>
+            <a:stCxn id="55" idx="2"/>
+          </p:cNvCxnSpPr>
+          <p:nvPr/>
+        </p:nvCxnSpPr>
+        <p:spPr>
+          <a:xfrm flipH="1" flipV="1">
+            <a:off x="4187393" y="4336999"/>
+            <a:ext cx="3225970" cy="70"/>
+          </a:xfrm>
+          <a:prstGeom prst="straightConnector1">
+            <a:avLst/>
+          </a:prstGeom>
+          <a:ln w="19050">
+            <a:solidFill>
+              <a:schemeClr val="accent6">
+                <a:lumMod val="75000"/>
+              </a:schemeClr>
+            </a:solidFill>
+            <a:prstDash val="sysDash"/>
+            <a:headEnd type="none" w="med" len="med"/>
+            <a:tailEnd type="arrow" w="med" len="med"/>
+          </a:ln>
+        </p:spPr>
+        <p:style>
+          <a:lnRef idx="1">
+            <a:schemeClr val="accent1"/>
+          </a:lnRef>
+          <a:fillRef idx="0">
+            <a:schemeClr val="accent1"/>
+          </a:fillRef>
+          <a:effectRef idx="0">
+            <a:schemeClr val="accent1"/>
+          </a:effectRef>
+          <a:fontRef idx="minor">
+            <a:schemeClr val="tx1"/>
+          </a:fontRef>
+        </p:style>
+      </p:cxnSp>
+      <p:sp>
+        <p:nvSpPr>
+          <p:cNvPr id="74" name="TextBox 73"/>
+          <p:cNvSpPr txBox="1"/>
+          <p:nvPr/>
+        </p:nvSpPr>
+        <p:spPr>
+          <a:xfrm>
+            <a:off x="4484157" y="3921005"/>
+            <a:ext cx="2466828" cy="215444"/>
+          </a:xfrm>
+          <a:prstGeom prst="rect">
+            <a:avLst/>
+          </a:prstGeom>
+          <a:noFill/>
+        </p:spPr>
+        <p:txBody>
+          <a:bodyPr wrap="square" lIns="0" tIns="0" rIns="0" bIns="0" rtlCol="0">
+            <a:spAutoFit/>
+          </a:bodyPr>
+          <a:lstStyle/>
+          <a:p>
+            <a:pPr algn="ctr"/>
+            <a:r>
+              <a:rPr lang="en-US" sz="1400" dirty="0" err="1">
+                <a:solidFill>
+                  <a:schemeClr val="accent6">
+                    <a:lumMod val="75000"/>
+                  </a:schemeClr>
+                </a:solidFill>
+              </a:rPr>
+              <a:t>saveAddressBook</a:t>
+            </a:r>
+            <a:r>
+              <a:rPr lang="en-US" sz="1400" dirty="0">
+                <a:solidFill>
+                  <a:schemeClr val="accent6">
+                    <a:lumMod val="75000"/>
+                  </a:schemeClr>
+                </a:solidFill>
+              </a:rPr>
+              <a:t>(</a:t>
+            </a:r>
+            <a:r>
+              <a:rPr lang="en-US" sz="1400" dirty="0" err="1">
+                <a:solidFill>
+                  <a:schemeClr val="accent6">
+                    <a:lumMod val="75000"/>
+                  </a:schemeClr>
+                </a:solidFill>
+              </a:rPr>
+              <a:t>AddressBook</a:t>
+            </a:r>
+            <a:r>
+              <a:rPr lang="en-US" sz="1400" dirty="0">
+                <a:solidFill>
+                  <a:schemeClr val="accent6">
+                    <a:lumMod val="75000"/>
+                  </a:schemeClr>
+                </a:solidFill>
+              </a:rPr>
+              <a:t>)</a:t>
+            </a:r>
+          </a:p>
+        </p:txBody>
+      </p:sp>
+      <p:cxnSp>
+        <p:nvCxnSpPr>
+          <p:cNvPr id="85" name="Straight Connector 84"/>
+          <p:cNvCxnSpPr>
+            <a:cxnSpLocks/>
+          </p:cNvCxnSpPr>
+          <p:nvPr/>
+        </p:nvCxnSpPr>
+        <p:spPr>
+          <a:xfrm>
+            <a:off x="1072833" y="2712598"/>
+            <a:ext cx="0" cy="2100728"/>
+          </a:xfrm>
+          <a:prstGeom prst="line">
+            <a:avLst/>
+          </a:prstGeom>
+          <a:ln w="19050">
+            <a:solidFill>
+              <a:schemeClr val="tx1"/>
+            </a:solidFill>
+            <a:prstDash val="sysDash"/>
+          </a:ln>
+          <a:effectLst/>
+        </p:spPr>
+        <p:style>
+          <a:lnRef idx="1">
+            <a:schemeClr val="accent1"/>
+          </a:lnRef>
+          <a:fillRef idx="2">
+            <a:schemeClr val="accent1"/>
+          </a:fillRef>
+          <a:effectRef idx="1">
+            <a:schemeClr val="accent1"/>
+          </a:effectRef>
+          <a:fontRef idx="minor">
+            <a:schemeClr val="dk1"/>
+          </a:fontRef>
+        </p:style>
+      </p:cxnSp>
+      <p:grpSp>
+        <p:nvGrpSpPr>
+          <p:cNvPr id="58" name="Group 57"/>
+          <p:cNvGrpSpPr/>
+          <p:nvPr/>
+        </p:nvGrpSpPr>
+        <p:grpSpPr>
+          <a:xfrm flipH="1">
+            <a:off x="7442978" y="3879149"/>
+            <a:ext cx="217349" cy="430885"/>
+            <a:chOff x="1028134" y="5612032"/>
+            <a:chExt cx="217349" cy="270072"/>
+          </a:xfrm>
+        </p:grpSpPr>
+        <p:sp>
+          <p:nvSpPr>
+            <p:cNvPr id="59" name="Freeform 58"/>
+            <p:cNvSpPr/>
+            <p:nvPr/>
+          </p:nvSpPr>
+          <p:spPr>
+            <a:xfrm rot="2600998" flipH="1" flipV="1">
+              <a:off x="1028134" y="5612032"/>
+              <a:ext cx="167452" cy="116880"/>
+            </a:xfrm>
+            <a:custGeom>
+              <a:avLst/>
+              <a:gdLst>
+                <a:gd name="connsiteX0" fmla="*/ 0 w 226400"/>
+                <a:gd name="connsiteY0" fmla="*/ 32920 h 171466"/>
+                <a:gd name="connsiteX1" fmla="*/ 157018 w 226400"/>
+                <a:gd name="connsiteY1" fmla="*/ 5211 h 171466"/>
+                <a:gd name="connsiteX2" fmla="*/ 221673 w 226400"/>
+                <a:gd name="connsiteY2" fmla="*/ 125284 h 171466"/>
+                <a:gd name="connsiteX3" fmla="*/ 36945 w 226400"/>
+                <a:gd name="connsiteY3" fmla="*/ 171466 h 171466"/>
+              </a:gdLst>
+              <a:ahLst/>
+              <a:cxnLst>
+                <a:cxn ang="0">
+                  <a:pos x="connsiteX0" y="connsiteY0"/>
+                </a:cxn>
+                <a:cxn ang="0">
+                  <a:pos x="connsiteX1" y="connsiteY1"/>
+                </a:cxn>
+                <a:cxn ang="0">
+                  <a:pos x="connsiteX2" y="connsiteY2"/>
+                </a:cxn>
+                <a:cxn ang="0">
+                  <a:pos x="connsiteX3" y="connsiteY3"/>
+                </a:cxn>
+              </a:cxnLst>
+              <a:rect l="l" t="t" r="r" b="b"/>
+              <a:pathLst>
+                <a:path w="226400" h="171466">
+                  <a:moveTo>
+                    <a:pt x="0" y="32920"/>
+                  </a:moveTo>
+                  <a:cubicBezTo>
+                    <a:pt x="60036" y="11368"/>
+                    <a:pt x="120073" y="-10183"/>
+                    <a:pt x="157018" y="5211"/>
+                  </a:cubicBezTo>
+                  <a:cubicBezTo>
+                    <a:pt x="193963" y="20605"/>
+                    <a:pt x="241685" y="97575"/>
+                    <a:pt x="221673" y="125284"/>
+                  </a:cubicBezTo>
+                  <a:cubicBezTo>
+                    <a:pt x="201661" y="152993"/>
+                    <a:pt x="119303" y="162229"/>
+                    <a:pt x="36945" y="171466"/>
+                  </a:cubicBezTo>
+                </a:path>
+              </a:pathLst>
+            </a:custGeom>
+            <a:ln w="19050">
+              <a:solidFill>
+                <a:schemeClr val="accent6">
+                  <a:lumMod val="75000"/>
+                </a:schemeClr>
+              </a:solidFill>
+              <a:headEnd type="arrow" w="med" len="med"/>
+              <a:tailEnd type="none" w="med" len="med"/>
+            </a:ln>
+          </p:spPr>
+          <p:style>
+            <a:lnRef idx="1">
+              <a:schemeClr val="accent1"/>
+            </a:lnRef>
+            <a:fillRef idx="0">
+              <a:schemeClr val="accent1"/>
+            </a:fillRef>
+            <a:effectRef idx="0">
+              <a:schemeClr val="accent1"/>
+            </a:effectRef>
+            <a:fontRef idx="minor">
+              <a:schemeClr val="tx1"/>
+            </a:fontRef>
+          </p:style>
+          <p:txBody>
+            <a:bodyPr rtlCol="0" anchor="ctr"/>
+            <a:lstStyle/>
+            <a:p>
+              <a:pPr algn="ctr"/>
+              <a:endParaRPr lang="en-SG"/>
+            </a:p>
+          </p:txBody>
+        </p:sp>
+        <p:sp>
+          <p:nvSpPr>
+            <p:cNvPr id="60" name="Rectangle 59"/>
+            <p:cNvSpPr/>
+            <p:nvPr/>
+          </p:nvSpPr>
+          <p:spPr>
+            <a:xfrm>
+              <a:off x="1147403" y="5712513"/>
+              <a:ext cx="98080" cy="169591"/>
+            </a:xfrm>
+            <a:prstGeom prst="rect">
+              <a:avLst/>
+            </a:prstGeom>
+            <a:solidFill>
+              <a:schemeClr val="accent6">
+                <a:lumMod val="75000"/>
+              </a:schemeClr>
+            </a:solidFill>
+            <a:ln>
+              <a:solidFill>
+                <a:schemeClr val="bg1"/>
+              </a:solidFill>
+            </a:ln>
+            <a:effectLst/>
+          </p:spPr>
+          <p:style>
+            <a:lnRef idx="1">
+              <a:schemeClr val="accent3"/>
+            </a:lnRef>
+            <a:fillRef idx="2">
+              <a:schemeClr val="accent3"/>
+            </a:fillRef>
+            <a:effectRef idx="1">
+              <a:schemeClr val="accent3"/>
+            </a:effectRef>
+            <a:fontRef idx="minor">
+              <a:schemeClr val="dk1"/>
+            </a:fontRef>
+          </p:style>
+          <p:txBody>
+            <a:bodyPr rtlCol="0" anchor="ctr"/>
+            <a:lstStyle/>
+            <a:p>
+              <a:pPr algn="ctr"/>
+              <a:endParaRPr lang="en-SG" sz="1400">
+                <a:solidFill>
+                  <a:schemeClr val="dk1"/>
+                </a:solidFill>
+              </a:endParaRPr>
+            </a:p>
+          </p:txBody>
+        </p:sp>
+      </p:grpSp>
+      <p:sp>
+        <p:nvSpPr>
+          <p:cNvPr id="61" name="TextBox 60"/>
+          <p:cNvSpPr txBox="1"/>
+          <p:nvPr/>
+        </p:nvSpPr>
+        <p:spPr>
+          <a:xfrm>
+            <a:off x="7730090" y="3724480"/>
+            <a:ext cx="539047" cy="430887"/>
+          </a:xfrm>
+          <a:prstGeom prst="rect">
+            <a:avLst/>
+          </a:prstGeom>
+          <a:noFill/>
+        </p:spPr>
+        <p:txBody>
+          <a:bodyPr wrap="square" lIns="0" tIns="0" rIns="0" bIns="0" rtlCol="0">
+            <a:spAutoFit/>
+          </a:bodyPr>
+          <a:lstStyle/>
+          <a:p>
+            <a:r>
+              <a:rPr lang="en-US" sz="1400" dirty="0">
+                <a:solidFill>
+                  <a:schemeClr val="accent6">
+                    <a:lumMod val="75000"/>
+                  </a:schemeClr>
+                </a:solidFill>
+              </a:rPr>
+              <a:t>Save </a:t>
+            </a:r>
+            <a:br>
+              <a:rPr lang="en-US" sz="1400" dirty="0">
+                <a:solidFill>
+                  <a:schemeClr val="accent6">
+                    <a:lumMod val="75000"/>
+                  </a:schemeClr>
+                </a:solidFill>
+              </a:rPr>
+            </a:br>
+            <a:r>
+              <a:rPr lang="en-US" sz="1400" dirty="0">
+                <a:solidFill>
+                  <a:schemeClr val="accent6">
+                    <a:lumMod val="75000"/>
+                  </a:schemeClr>
+                </a:solidFill>
+              </a:rPr>
+              <a:t>to file</a:t>
+            </a:r>
+          </a:p>
+        </p:txBody>
+      </p:sp>
+      <p:cxnSp>
+        <p:nvCxnSpPr>
+          <p:cNvPr id="78" name="Straight Arrow Connector 77">
+            <a:extLst>
+              <a:ext uri="{FF2B5EF4-FFF2-40B4-BE49-F238E27FC236}">
+                <a16:creationId xmlns:a16="http://schemas.microsoft.com/office/drawing/2014/main" id="{4AB8DFA2-C3DE-4CDF-82C8-BDE3320A5C3E}"/>
+              </a:ext>
+            </a:extLst>
+          </p:cNvPr>
+          <p:cNvCxnSpPr>
+            <a:cxnSpLocks/>
+          </p:cNvCxnSpPr>
+          <p:nvPr/>
+        </p:nvCxnSpPr>
+        <p:spPr>
+          <a:xfrm flipV="1">
+            <a:off x="4203433" y="3883131"/>
+            <a:ext cx="3144005" cy="1"/>
           </a:xfrm>
           <a:prstGeom prst="straightConnector1">
             <a:avLst/>
@@ -4373,1102 +5098,10 @@
           </a:fontRef>
         </p:style>
       </p:cxnSp>
-      <p:sp>
-        <p:nvSpPr>
-          <p:cNvPr id="65" name="Rectangle 64"/>
-          <p:cNvSpPr/>
-          <p:nvPr/>
-        </p:nvSpPr>
-        <p:spPr>
-          <a:xfrm>
-            <a:off x="6687452" y="4467000"/>
-            <a:ext cx="161322" cy="1019400"/>
-          </a:xfrm>
-          <a:prstGeom prst="rect">
-            <a:avLst/>
-          </a:prstGeom>
-          <a:solidFill>
-            <a:srgbClr val="0070C0"/>
-          </a:solidFill>
-          <a:ln>
-            <a:solidFill>
-              <a:srgbClr val="0070C0"/>
-            </a:solidFill>
-          </a:ln>
-          <a:effectLst/>
-        </p:spPr>
-        <p:style>
-          <a:lnRef idx="1">
-            <a:schemeClr val="accent3"/>
-          </a:lnRef>
-          <a:fillRef idx="2">
-            <a:schemeClr val="accent3"/>
-          </a:fillRef>
-          <a:effectRef idx="1">
-            <a:schemeClr val="accent3"/>
-          </a:effectRef>
-          <a:fontRef idx="minor">
-            <a:schemeClr val="dk1"/>
-          </a:fontRef>
-        </p:style>
-        <p:txBody>
-          <a:bodyPr rtlCol="0" anchor="ctr"/>
-          <a:lstStyle/>
-          <a:p>
-            <a:pPr algn="ctr"/>
-            <a:endParaRPr lang="en-SG" sz="1400"/>
-          </a:p>
-        </p:txBody>
-      </p:sp>
-      <p:cxnSp>
-        <p:nvCxnSpPr>
-          <p:cNvPr id="71" name="Straight Connector 70"/>
-          <p:cNvCxnSpPr/>
-          <p:nvPr/>
-        </p:nvCxnSpPr>
-        <p:spPr>
-          <a:xfrm>
-            <a:off x="8781148" y="2700858"/>
-            <a:ext cx="0" cy="2830598"/>
-          </a:xfrm>
-          <a:prstGeom prst="line">
-            <a:avLst/>
-          </a:prstGeom>
-          <a:ln w="19050">
-            <a:solidFill>
-              <a:schemeClr val="accent4">
-                <a:lumMod val="60000"/>
-                <a:lumOff val="40000"/>
-              </a:schemeClr>
-            </a:solidFill>
-            <a:prstDash val="sysDash"/>
-          </a:ln>
-          <a:effectLst/>
-        </p:spPr>
-        <p:style>
-          <a:lnRef idx="1">
-            <a:schemeClr val="accent1"/>
-          </a:lnRef>
-          <a:fillRef idx="2">
-            <a:schemeClr val="accent1"/>
-          </a:fillRef>
-          <a:effectRef idx="1">
-            <a:schemeClr val="accent1"/>
-          </a:effectRef>
-          <a:fontRef idx="minor">
-            <a:schemeClr val="dk1"/>
-          </a:fontRef>
-        </p:style>
-      </p:cxnSp>
-      <p:sp>
-        <p:nvSpPr>
-          <p:cNvPr id="73" name="Rectangle 72"/>
-          <p:cNvSpPr/>
-          <p:nvPr/>
-        </p:nvSpPr>
-        <p:spPr>
-          <a:xfrm>
-            <a:off x="8686800" y="4524597"/>
-            <a:ext cx="152400" cy="199803"/>
-          </a:xfrm>
-          <a:prstGeom prst="rect">
-            <a:avLst/>
-          </a:prstGeom>
-          <a:solidFill>
-            <a:schemeClr val="accent4">
-              <a:lumMod val="60000"/>
-              <a:lumOff val="40000"/>
-            </a:schemeClr>
-          </a:solidFill>
-          <a:ln>
-            <a:solidFill>
-              <a:schemeClr val="accent4">
-                <a:lumMod val="60000"/>
-                <a:lumOff val="40000"/>
-              </a:schemeClr>
-            </a:solidFill>
-          </a:ln>
-          <a:effectLst/>
-        </p:spPr>
-        <p:style>
-          <a:lnRef idx="1">
-            <a:schemeClr val="accent3"/>
-          </a:lnRef>
-          <a:fillRef idx="2">
-            <a:schemeClr val="accent3"/>
-          </a:fillRef>
-          <a:effectRef idx="1">
-            <a:schemeClr val="accent3"/>
-          </a:effectRef>
-          <a:fontRef idx="minor">
-            <a:schemeClr val="dk1"/>
-          </a:fontRef>
-        </p:style>
-        <p:txBody>
-          <a:bodyPr rtlCol="0" anchor="ctr"/>
-          <a:lstStyle/>
-          <a:p>
-            <a:pPr algn="ctr"/>
-            <a:endParaRPr lang="en-SG" sz="1400">
-              <a:solidFill>
-                <a:schemeClr val="dk1"/>
-              </a:solidFill>
-            </a:endParaRPr>
-          </a:p>
-        </p:txBody>
-      </p:sp>
-      <p:cxnSp>
-        <p:nvCxnSpPr>
-          <p:cNvPr id="75" name="Straight Arrow Connector 74"/>
-          <p:cNvCxnSpPr/>
-          <p:nvPr/>
-        </p:nvCxnSpPr>
-        <p:spPr>
-          <a:xfrm>
-            <a:off x="6850663" y="4524597"/>
-            <a:ext cx="1836137" cy="0"/>
-          </a:xfrm>
-          <a:prstGeom prst="straightConnector1">
-            <a:avLst/>
-          </a:prstGeom>
-          <a:ln w="19050">
-            <a:solidFill>
-              <a:srgbClr val="0070C0"/>
-            </a:solidFill>
-            <a:tailEnd type="arrow"/>
-          </a:ln>
-        </p:spPr>
-        <p:style>
-          <a:lnRef idx="1">
-            <a:schemeClr val="accent1"/>
-          </a:lnRef>
-          <a:fillRef idx="0">
-            <a:schemeClr val="accent1"/>
-          </a:fillRef>
-          <a:effectRef idx="0">
-            <a:schemeClr val="accent1"/>
-          </a:effectRef>
-          <a:fontRef idx="minor">
-            <a:schemeClr val="tx1"/>
-          </a:fontRef>
-        </p:style>
-      </p:cxnSp>
-      <p:cxnSp>
-        <p:nvCxnSpPr>
-          <p:cNvPr id="76" name="Straight Arrow Connector 75"/>
-          <p:cNvCxnSpPr/>
-          <p:nvPr/>
-        </p:nvCxnSpPr>
-        <p:spPr>
-          <a:xfrm flipV="1">
-            <a:off x="6848774" y="4714650"/>
-            <a:ext cx="1838026" cy="9750"/>
-          </a:xfrm>
-          <a:prstGeom prst="straightConnector1">
-            <a:avLst/>
-          </a:prstGeom>
-          <a:ln w="19050">
-            <a:solidFill>
-              <a:schemeClr val="accent4">
-                <a:lumMod val="60000"/>
-                <a:lumOff val="40000"/>
-              </a:schemeClr>
-            </a:solidFill>
-            <a:prstDash val="sysDash"/>
-            <a:headEnd type="arrow" w="med" len="med"/>
-            <a:tailEnd type="none" w="med" len="med"/>
-          </a:ln>
-        </p:spPr>
-        <p:style>
-          <a:lnRef idx="1">
-            <a:schemeClr val="accent1"/>
-          </a:lnRef>
-          <a:fillRef idx="0">
-            <a:schemeClr val="accent1"/>
-          </a:fillRef>
-          <a:effectRef idx="0">
-            <a:schemeClr val="accent1"/>
-          </a:effectRef>
-          <a:fontRef idx="minor">
-            <a:schemeClr val="tx1"/>
-          </a:fontRef>
-        </p:style>
-      </p:cxnSp>
-      <p:cxnSp>
-        <p:nvCxnSpPr>
-          <p:cNvPr id="77" name="Straight Arrow Connector 76"/>
-          <p:cNvCxnSpPr/>
-          <p:nvPr/>
-        </p:nvCxnSpPr>
-        <p:spPr>
-          <a:xfrm>
-            <a:off x="1653251" y="5486400"/>
-            <a:ext cx="5052349" cy="0"/>
-          </a:xfrm>
-          <a:prstGeom prst="straightConnector1">
-            <a:avLst/>
-          </a:prstGeom>
-          <a:ln w="19050">
-            <a:solidFill>
-              <a:srgbClr val="0070C0"/>
-            </a:solidFill>
-            <a:prstDash val="sysDash"/>
-            <a:headEnd type="arrow" w="med" len="med"/>
-            <a:tailEnd type="none" w="med" len="med"/>
-          </a:ln>
-        </p:spPr>
-        <p:style>
-          <a:lnRef idx="1">
-            <a:schemeClr val="accent1"/>
-          </a:lnRef>
-          <a:fillRef idx="0">
-            <a:schemeClr val="accent1"/>
-          </a:fillRef>
-          <a:effectRef idx="0">
-            <a:schemeClr val="accent1"/>
-          </a:effectRef>
-          <a:fontRef idx="minor">
-            <a:schemeClr val="tx1"/>
-          </a:fontRef>
-        </p:style>
-      </p:cxnSp>
-      <p:sp>
-        <p:nvSpPr>
-          <p:cNvPr id="78" name="TextBox 77"/>
-          <p:cNvSpPr txBox="1"/>
-          <p:nvPr/>
-        </p:nvSpPr>
-        <p:spPr>
-          <a:xfrm>
-            <a:off x="6984957" y="4267200"/>
-            <a:ext cx="1424846" cy="215444"/>
-          </a:xfrm>
-          <a:prstGeom prst="rect">
-            <a:avLst/>
-          </a:prstGeom>
-          <a:noFill/>
-        </p:spPr>
-        <p:txBody>
-          <a:bodyPr wrap="square" lIns="0" tIns="0" rIns="0" bIns="0" rtlCol="0">
-            <a:spAutoFit/>
-          </a:bodyPr>
-          <a:lstStyle>
-            <a:defPPr>
-              <a:defRPr lang="en-US"/>
-            </a:defPPr>
-            <a:lvl1pPr algn="r">
-              <a:defRPr sz="1400">
-                <a:solidFill>
-                  <a:srgbClr val="0070C0"/>
-                </a:solidFill>
-              </a:defRPr>
-            </a:lvl1pPr>
-          </a:lstStyle>
-          <a:p>
-            <a:r>
-              <a:rPr lang="en-US" dirty="0" err="1">
-                <a:solidFill>
-                  <a:srgbClr val="7030A0"/>
-                </a:solidFill>
-              </a:rPr>
-              <a:t>deletePerson</a:t>
-            </a:r>
-            <a:r>
-              <a:rPr lang="en-US" dirty="0">
-                <a:solidFill>
-                  <a:srgbClr val="7030A0"/>
-                </a:solidFill>
-              </a:rPr>
-              <a:t>(p)</a:t>
-            </a:r>
-          </a:p>
-        </p:txBody>
-      </p:sp>
-      <p:sp>
-        <p:nvSpPr>
-          <p:cNvPr id="79" name="TextBox 78"/>
-          <p:cNvSpPr txBox="1"/>
-          <p:nvPr/>
-        </p:nvSpPr>
-        <p:spPr>
-          <a:xfrm>
-            <a:off x="3847551" y="3657600"/>
-            <a:ext cx="767033" cy="184666"/>
-          </a:xfrm>
-          <a:prstGeom prst="rect">
-            <a:avLst/>
-          </a:prstGeom>
-          <a:noFill/>
-        </p:spPr>
-        <p:txBody>
-          <a:bodyPr wrap="square" lIns="0" tIns="0" rIns="0" bIns="0" rtlCol="0">
-            <a:spAutoFit/>
-          </a:bodyPr>
-          <a:lstStyle>
-            <a:defPPr>
-              <a:defRPr lang="en-US"/>
-            </a:defPPr>
-            <a:lvl1pPr algn="r">
-              <a:defRPr sz="1400">
-                <a:solidFill>
-                  <a:srgbClr val="0070C0"/>
-                </a:solidFill>
-              </a:defRPr>
-            </a:lvl1pPr>
-          </a:lstStyle>
-          <a:p>
-            <a:r>
-              <a:rPr lang="en-US" sz="1200" dirty="0"/>
-              <a:t>parse(“1”)</a:t>
-            </a:r>
-          </a:p>
-        </p:txBody>
-      </p:sp>
-      <p:sp>
-        <p:nvSpPr>
-          <p:cNvPr id="80" name="TextBox 79"/>
-          <p:cNvSpPr txBox="1"/>
-          <p:nvPr/>
-        </p:nvSpPr>
-        <p:spPr>
-          <a:xfrm>
-            <a:off x="1742982" y="2850922"/>
-            <a:ext cx="1424846" cy="215444"/>
-          </a:xfrm>
-          <a:prstGeom prst="rect">
-            <a:avLst/>
-          </a:prstGeom>
-          <a:noFill/>
-        </p:spPr>
-        <p:txBody>
-          <a:bodyPr wrap="square" lIns="0" tIns="0" rIns="0" bIns="0" rtlCol="0">
-            <a:spAutoFit/>
-          </a:bodyPr>
-          <a:lstStyle>
-            <a:defPPr>
-              <a:defRPr lang="en-US"/>
-            </a:defPPr>
-            <a:lvl1pPr algn="r">
-              <a:defRPr sz="1400">
-                <a:solidFill>
-                  <a:srgbClr val="0070C0"/>
-                </a:solidFill>
-              </a:defRPr>
-            </a:lvl1pPr>
-          </a:lstStyle>
-          <a:p>
-            <a:r>
-              <a:rPr lang="en-US" dirty="0"/>
-              <a:t>parse(“delete 1”)</a:t>
-            </a:r>
-          </a:p>
-        </p:txBody>
-      </p:sp>
-      <p:sp>
-        <p:nvSpPr>
-          <p:cNvPr id="82" name="TextBox 81"/>
-          <p:cNvSpPr txBox="1"/>
-          <p:nvPr/>
-        </p:nvSpPr>
-        <p:spPr>
-          <a:xfrm>
-            <a:off x="4340137" y="5255323"/>
-            <a:ext cx="621216" cy="215444"/>
-          </a:xfrm>
-          <a:prstGeom prst="rect">
-            <a:avLst/>
-          </a:prstGeom>
-          <a:noFill/>
-        </p:spPr>
-        <p:txBody>
-          <a:bodyPr wrap="square" lIns="0" tIns="0" rIns="0" bIns="0" rtlCol="0">
-            <a:spAutoFit/>
-          </a:bodyPr>
-          <a:lstStyle>
-            <a:defPPr>
-              <a:defRPr lang="en-US"/>
-            </a:defPPr>
-            <a:lvl1pPr algn="r">
-              <a:defRPr sz="1400">
-                <a:solidFill>
-                  <a:srgbClr val="0070C0"/>
-                </a:solidFill>
-              </a:defRPr>
-            </a:lvl1pPr>
-          </a:lstStyle>
-          <a:p>
-            <a:r>
-              <a:rPr lang="en-US" dirty="0"/>
-              <a:t>result</a:t>
-            </a:r>
-          </a:p>
-        </p:txBody>
-      </p:sp>
-      <p:sp>
-        <p:nvSpPr>
-          <p:cNvPr id="83" name="TextBox 82"/>
-          <p:cNvSpPr txBox="1"/>
-          <p:nvPr/>
-        </p:nvSpPr>
-        <p:spPr>
-          <a:xfrm>
-            <a:off x="599983" y="5538488"/>
-            <a:ext cx="762000" cy="215444"/>
-          </a:xfrm>
-          <a:prstGeom prst="rect">
-            <a:avLst/>
-          </a:prstGeom>
-          <a:noFill/>
-        </p:spPr>
-        <p:txBody>
-          <a:bodyPr wrap="square" lIns="0" tIns="0" rIns="0" bIns="0" rtlCol="0">
-            <a:spAutoFit/>
-          </a:bodyPr>
-          <a:lstStyle>
-            <a:defPPr>
-              <a:defRPr lang="en-US"/>
-            </a:defPPr>
-            <a:lvl1pPr algn="r">
-              <a:defRPr sz="1400">
-                <a:solidFill>
-                  <a:srgbClr val="0070C0"/>
-                </a:solidFill>
-              </a:defRPr>
-            </a:lvl1pPr>
-          </a:lstStyle>
-          <a:p>
-            <a:r>
-              <a:rPr lang="en-US" dirty="0"/>
-              <a:t>result</a:t>
-            </a:r>
-          </a:p>
-        </p:txBody>
-      </p:sp>
-      <p:sp>
-        <p:nvSpPr>
-          <p:cNvPr id="84" name="Rectangle 62"/>
-          <p:cNvSpPr/>
-          <p:nvPr/>
-        </p:nvSpPr>
-        <p:spPr>
-          <a:xfrm>
-            <a:off x="7020246" y="4777286"/>
-            <a:ext cx="1590354" cy="461538"/>
-          </a:xfrm>
-          <a:prstGeom prst="rect">
-            <a:avLst/>
-          </a:prstGeom>
-          <a:solidFill>
-            <a:srgbClr val="0070C0"/>
-          </a:solidFill>
-          <a:ln w="19050">
-            <a:solidFill>
-              <a:srgbClr val="0070C0"/>
-            </a:solidFill>
-          </a:ln>
-          <a:effectLst/>
-        </p:spPr>
-        <p:style>
-          <a:lnRef idx="1">
-            <a:schemeClr val="accent2"/>
-          </a:lnRef>
-          <a:fillRef idx="2">
-            <a:schemeClr val="accent2"/>
-          </a:fillRef>
-          <a:effectRef idx="1">
-            <a:schemeClr val="accent2"/>
-          </a:effectRef>
-          <a:fontRef idx="minor">
-            <a:schemeClr val="dk1"/>
-          </a:fontRef>
-        </p:style>
-        <p:txBody>
-          <a:bodyPr rtlCol="0" anchor="ctr"/>
-          <a:lstStyle/>
-          <a:p>
-            <a:pPr algn="ctr"/>
-            <a:r>
-              <a:rPr lang="en-US" sz="1600" dirty="0" err="1">
-                <a:solidFill>
-                  <a:schemeClr val="bg1"/>
-                </a:solidFill>
-              </a:rPr>
-              <a:t>result:Command</a:t>
-            </a:r>
-            <a:r>
-              <a:rPr lang="en-US" sz="1600" dirty="0">
-                <a:solidFill>
-                  <a:schemeClr val="bg1"/>
-                </a:solidFill>
-              </a:rPr>
-              <a:t> Result</a:t>
-            </a:r>
-            <a:endParaRPr lang="en-SG" sz="1600" dirty="0">
-              <a:solidFill>
-                <a:schemeClr val="bg1"/>
-              </a:solidFill>
-            </a:endParaRPr>
-          </a:p>
-        </p:txBody>
-      </p:sp>
-      <p:sp>
-        <p:nvSpPr>
-          <p:cNvPr id="86" name="Rectangle 85"/>
-          <p:cNvSpPr/>
-          <p:nvPr/>
-        </p:nvSpPr>
-        <p:spPr>
-          <a:xfrm>
-            <a:off x="7777323" y="5238824"/>
-            <a:ext cx="152400" cy="171376"/>
-          </a:xfrm>
-          <a:prstGeom prst="rect">
-            <a:avLst/>
-          </a:prstGeom>
-          <a:solidFill>
-            <a:srgbClr val="0070C0"/>
-          </a:solidFill>
-          <a:ln>
-            <a:solidFill>
-              <a:srgbClr val="0070C0"/>
-            </a:solidFill>
-          </a:ln>
-          <a:effectLst/>
-        </p:spPr>
-        <p:style>
-          <a:lnRef idx="1">
-            <a:schemeClr val="accent3"/>
-          </a:lnRef>
-          <a:fillRef idx="2">
-            <a:schemeClr val="accent3"/>
-          </a:fillRef>
-          <a:effectRef idx="1">
-            <a:schemeClr val="accent3"/>
-          </a:effectRef>
-          <a:fontRef idx="minor">
-            <a:schemeClr val="dk1"/>
-          </a:fontRef>
-        </p:style>
-        <p:txBody>
-          <a:bodyPr rtlCol="0" anchor="ctr"/>
-          <a:lstStyle/>
-          <a:p>
-            <a:pPr algn="ctr"/>
-            <a:endParaRPr lang="en-SG" sz="1400"/>
-          </a:p>
-        </p:txBody>
-      </p:sp>
-      <p:cxnSp>
-        <p:nvCxnSpPr>
-          <p:cNvPr id="90" name="Straight Arrow Connector 89"/>
-          <p:cNvCxnSpPr/>
-          <p:nvPr/>
-        </p:nvCxnSpPr>
-        <p:spPr>
-          <a:xfrm>
-            <a:off x="6858000" y="5410200"/>
-            <a:ext cx="966624" cy="0"/>
-          </a:xfrm>
-          <a:prstGeom prst="straightConnector1">
-            <a:avLst/>
-          </a:prstGeom>
-          <a:ln w="19050">
-            <a:solidFill>
-              <a:srgbClr val="0070C0"/>
-            </a:solidFill>
-            <a:prstDash val="sysDash"/>
-            <a:headEnd type="arrow" w="med" len="med"/>
-            <a:tailEnd type="none" w="med" len="med"/>
-          </a:ln>
-        </p:spPr>
-        <p:style>
-          <a:lnRef idx="1">
-            <a:schemeClr val="accent1"/>
-          </a:lnRef>
-          <a:fillRef idx="0">
-            <a:schemeClr val="accent1"/>
-          </a:fillRef>
-          <a:effectRef idx="0">
-            <a:schemeClr val="accent1"/>
-          </a:effectRef>
-          <a:fontRef idx="minor">
-            <a:schemeClr val="tx1"/>
-          </a:fontRef>
-        </p:style>
-      </p:cxnSp>
-      <p:sp>
-        <p:nvSpPr>
-          <p:cNvPr id="93" name="TextBox 92"/>
-          <p:cNvSpPr txBox="1"/>
-          <p:nvPr/>
-        </p:nvSpPr>
-        <p:spPr>
-          <a:xfrm>
-            <a:off x="2673845" y="4027787"/>
-            <a:ext cx="220343" cy="215444"/>
-          </a:xfrm>
-          <a:prstGeom prst="rect">
-            <a:avLst/>
-          </a:prstGeom>
-          <a:noFill/>
-        </p:spPr>
-        <p:txBody>
-          <a:bodyPr wrap="square" lIns="0" tIns="0" rIns="0" bIns="0" rtlCol="0">
-            <a:spAutoFit/>
-          </a:bodyPr>
-          <a:lstStyle>
-            <a:defPPr>
-              <a:defRPr lang="en-US"/>
-            </a:defPPr>
-            <a:lvl1pPr algn="r">
-              <a:defRPr sz="1400">
-                <a:solidFill>
-                  <a:srgbClr val="0070C0"/>
-                </a:solidFill>
-              </a:defRPr>
-            </a:lvl1pPr>
-          </a:lstStyle>
-          <a:p>
-            <a:r>
-              <a:rPr lang="en-US" dirty="0"/>
-              <a:t>d</a:t>
-            </a:r>
-          </a:p>
-        </p:txBody>
-      </p:sp>
-      <p:sp>
-        <p:nvSpPr>
-          <p:cNvPr id="40" name="Rectangle 62"/>
-          <p:cNvSpPr/>
-          <p:nvPr/>
-        </p:nvSpPr>
-        <p:spPr>
-          <a:xfrm>
-            <a:off x="4231981" y="2929839"/>
-            <a:ext cx="1778201" cy="432035"/>
-          </a:xfrm>
-          <a:prstGeom prst="rect">
-            <a:avLst/>
-          </a:prstGeom>
-          <a:solidFill>
-            <a:srgbClr val="0070C0"/>
-          </a:solidFill>
-          <a:ln w="19050">
-            <a:solidFill>
-              <a:srgbClr val="0070C0"/>
-            </a:solidFill>
-          </a:ln>
-          <a:effectLst/>
-        </p:spPr>
-        <p:style>
-          <a:lnRef idx="1">
-            <a:schemeClr val="accent2"/>
-          </a:lnRef>
-          <a:fillRef idx="2">
-            <a:schemeClr val="accent2"/>
-          </a:fillRef>
-          <a:effectRef idx="1">
-            <a:schemeClr val="accent2"/>
-          </a:effectRef>
-          <a:fontRef idx="minor">
-            <a:schemeClr val="dk1"/>
-          </a:fontRef>
-        </p:style>
-        <p:txBody>
-          <a:bodyPr rtlCol="0" anchor="ctr"/>
-          <a:lstStyle/>
-          <a:p>
-            <a:pPr algn="ctr"/>
-            <a:r>
-              <a:rPr lang="en-US" sz="1600" dirty="0">
-                <a:solidFill>
-                  <a:schemeClr val="bg1"/>
-                </a:solidFill>
-              </a:rPr>
-              <a:t>:</a:t>
-            </a:r>
-            <a:r>
-              <a:rPr lang="en-US" sz="1600" dirty="0" err="1">
-                <a:solidFill>
-                  <a:schemeClr val="bg1"/>
-                </a:solidFill>
-              </a:rPr>
-              <a:t>DeleteCommand</a:t>
-            </a:r>
-            <a:endParaRPr lang="en-US" sz="1600" dirty="0">
-              <a:solidFill>
-                <a:schemeClr val="bg1"/>
-              </a:solidFill>
-            </a:endParaRPr>
-          </a:p>
-          <a:p>
-            <a:pPr algn="ctr"/>
-            <a:r>
-              <a:rPr lang="en-US" sz="1600" dirty="0">
-                <a:solidFill>
-                  <a:schemeClr val="bg1"/>
-                </a:solidFill>
-              </a:rPr>
-              <a:t>Parser</a:t>
-            </a:r>
-            <a:endParaRPr lang="en-SG" sz="1600" dirty="0">
-              <a:solidFill>
-                <a:schemeClr val="bg1"/>
-              </a:solidFill>
-            </a:endParaRPr>
-          </a:p>
-        </p:txBody>
-      </p:sp>
-      <p:cxnSp>
-        <p:nvCxnSpPr>
-          <p:cNvPr id="8" name="Straight Arrow Connector 7"/>
-          <p:cNvCxnSpPr/>
-          <p:nvPr/>
-        </p:nvCxnSpPr>
-        <p:spPr>
-          <a:xfrm>
-            <a:off x="3462591" y="3657600"/>
-            <a:ext cx="1597356" cy="1"/>
-          </a:xfrm>
-          <a:prstGeom prst="straightConnector1">
-            <a:avLst/>
-          </a:prstGeom>
-          <a:ln w="19050">
-            <a:headEnd type="none" w="med" len="med"/>
-            <a:tailEnd type="arrow" w="med" len="med"/>
-          </a:ln>
-        </p:spPr>
-        <p:style>
-          <a:lnRef idx="1">
-            <a:schemeClr val="accent1"/>
-          </a:lnRef>
-          <a:fillRef idx="0">
-            <a:schemeClr val="accent1"/>
-          </a:fillRef>
-          <a:effectRef idx="0">
-            <a:schemeClr val="accent1"/>
-          </a:effectRef>
-          <a:fontRef idx="minor">
-            <a:schemeClr val="tx1"/>
-          </a:fontRef>
-        </p:style>
-      </p:cxnSp>
-      <p:sp>
-        <p:nvSpPr>
-          <p:cNvPr id="45" name="Rectangle 44"/>
-          <p:cNvSpPr/>
-          <p:nvPr/>
-        </p:nvSpPr>
-        <p:spPr>
-          <a:xfrm>
-            <a:off x="5059947" y="3352800"/>
-            <a:ext cx="205843" cy="123165"/>
-          </a:xfrm>
-          <a:prstGeom prst="rect">
-            <a:avLst/>
-          </a:prstGeom>
-          <a:solidFill>
-            <a:srgbClr val="0070C0"/>
-          </a:solidFill>
-          <a:ln>
-            <a:solidFill>
-              <a:srgbClr val="0070C0"/>
-            </a:solidFill>
-          </a:ln>
-          <a:effectLst/>
-        </p:spPr>
-        <p:style>
-          <a:lnRef idx="1">
-            <a:schemeClr val="accent3"/>
-          </a:lnRef>
-          <a:fillRef idx="2">
-            <a:schemeClr val="accent3"/>
-          </a:fillRef>
-          <a:effectRef idx="1">
-            <a:schemeClr val="accent3"/>
-          </a:effectRef>
-          <a:fontRef idx="minor">
-            <a:schemeClr val="dk1"/>
-          </a:fontRef>
-        </p:style>
-        <p:txBody>
-          <a:bodyPr rtlCol="0" anchor="ctr"/>
-          <a:lstStyle/>
-          <a:p>
-            <a:pPr algn="ctr"/>
-            <a:endParaRPr lang="en-SG" sz="1400"/>
-          </a:p>
-        </p:txBody>
-      </p:sp>
-      <p:cxnSp>
-        <p:nvCxnSpPr>
-          <p:cNvPr id="46" name="Straight Connector 45"/>
-          <p:cNvCxnSpPr>
-            <a:stCxn id="45" idx="0"/>
-          </p:cNvCxnSpPr>
-          <p:nvPr/>
-        </p:nvCxnSpPr>
-        <p:spPr>
-          <a:xfrm>
-            <a:off x="5162869" y="3352800"/>
-            <a:ext cx="0" cy="990600"/>
-          </a:xfrm>
-          <a:prstGeom prst="line">
-            <a:avLst/>
-          </a:prstGeom>
-          <a:ln w="19050">
-            <a:solidFill>
-              <a:srgbClr val="0070C0"/>
-            </a:solidFill>
-            <a:prstDash val="sysDash"/>
-          </a:ln>
-          <a:effectLst/>
-        </p:spPr>
-        <p:style>
-          <a:lnRef idx="1">
-            <a:schemeClr val="accent1"/>
-          </a:lnRef>
-          <a:fillRef idx="2">
-            <a:schemeClr val="accent1"/>
-          </a:fillRef>
-          <a:effectRef idx="1">
-            <a:schemeClr val="accent1"/>
-          </a:effectRef>
-          <a:fontRef idx="minor">
-            <a:schemeClr val="dk1"/>
-          </a:fontRef>
-        </p:style>
-      </p:cxnSp>
-      <p:sp>
-        <p:nvSpPr>
-          <p:cNvPr id="49" name="Rectangle 48"/>
-          <p:cNvSpPr/>
-          <p:nvPr/>
-        </p:nvSpPr>
-        <p:spPr>
-          <a:xfrm>
-            <a:off x="5059947" y="3657601"/>
-            <a:ext cx="205843" cy="533400"/>
-          </a:xfrm>
-          <a:prstGeom prst="rect">
-            <a:avLst/>
-          </a:prstGeom>
-          <a:solidFill>
-            <a:srgbClr val="0070C0"/>
-          </a:solidFill>
-          <a:ln>
-            <a:solidFill>
-              <a:srgbClr val="0070C0"/>
-            </a:solidFill>
-          </a:ln>
-          <a:effectLst/>
-        </p:spPr>
-        <p:style>
-          <a:lnRef idx="1">
-            <a:schemeClr val="accent3"/>
-          </a:lnRef>
-          <a:fillRef idx="2">
-            <a:schemeClr val="accent3"/>
-          </a:fillRef>
-          <a:effectRef idx="1">
-            <a:schemeClr val="accent3"/>
-          </a:effectRef>
-          <a:fontRef idx="minor">
-            <a:schemeClr val="dk1"/>
-          </a:fontRef>
-        </p:style>
-        <p:txBody>
-          <a:bodyPr rtlCol="0" anchor="ctr"/>
-          <a:lstStyle/>
-          <a:p>
-            <a:pPr algn="ctr"/>
-            <a:endParaRPr lang="en-SG" sz="1400"/>
-          </a:p>
-        </p:txBody>
-      </p:sp>
-      <p:cxnSp>
-        <p:nvCxnSpPr>
-          <p:cNvPr id="51" name="Straight Arrow Connector 50"/>
-          <p:cNvCxnSpPr/>
-          <p:nvPr/>
-        </p:nvCxnSpPr>
-        <p:spPr>
-          <a:xfrm>
-            <a:off x="3499382" y="4185073"/>
-            <a:ext cx="1667219" cy="0"/>
-          </a:xfrm>
-          <a:prstGeom prst="straightConnector1">
-            <a:avLst/>
-          </a:prstGeom>
-          <a:ln w="19050">
-            <a:solidFill>
-              <a:srgbClr val="0070C0"/>
-            </a:solidFill>
-            <a:prstDash val="sysDash"/>
-            <a:headEnd type="arrow" w="med" len="med"/>
-            <a:tailEnd type="none" w="med" len="med"/>
-          </a:ln>
-        </p:spPr>
-        <p:style>
-          <a:lnRef idx="1">
-            <a:schemeClr val="accent1"/>
-          </a:lnRef>
-          <a:fillRef idx="0">
-            <a:schemeClr val="accent1"/>
-          </a:fillRef>
-          <a:effectRef idx="0">
-            <a:schemeClr val="accent1"/>
-          </a:effectRef>
-          <a:fontRef idx="minor">
-            <a:schemeClr val="tx1"/>
-          </a:fontRef>
-        </p:style>
-      </p:cxnSp>
-      <p:cxnSp>
-        <p:nvCxnSpPr>
-          <p:cNvPr id="13" name="Straight Arrow Connector 12"/>
-          <p:cNvCxnSpPr/>
-          <p:nvPr/>
-        </p:nvCxnSpPr>
-        <p:spPr>
-          <a:xfrm>
-            <a:off x="6858000" y="5029200"/>
-            <a:ext cx="162246" cy="0"/>
-          </a:xfrm>
-          <a:prstGeom prst="straightConnector1">
-            <a:avLst/>
-          </a:prstGeom>
-          <a:ln w="19050">
-            <a:headEnd type="none" w="med" len="med"/>
-            <a:tailEnd type="arrow" w="med" len="med"/>
-          </a:ln>
-        </p:spPr>
-        <p:style>
-          <a:lnRef idx="1">
-            <a:schemeClr val="accent1"/>
-          </a:lnRef>
-          <a:fillRef idx="0">
-            <a:schemeClr val="accent1"/>
-          </a:fillRef>
-          <a:effectRef idx="0">
-            <a:schemeClr val="accent1"/>
-          </a:effectRef>
-          <a:fontRef idx="minor">
-            <a:schemeClr val="tx1"/>
-          </a:fontRef>
-        </p:style>
-      </p:cxnSp>
-      <p:cxnSp>
-        <p:nvCxnSpPr>
-          <p:cNvPr id="50" name="Straight Arrow Connector 49"/>
-          <p:cNvCxnSpPr/>
-          <p:nvPr/>
-        </p:nvCxnSpPr>
-        <p:spPr>
-          <a:xfrm>
-            <a:off x="3412425" y="3173004"/>
-            <a:ext cx="819556" cy="1"/>
-          </a:xfrm>
-          <a:prstGeom prst="straightConnector1">
-            <a:avLst/>
-          </a:prstGeom>
-          <a:ln w="19050">
-            <a:solidFill>
-              <a:srgbClr val="0070C0"/>
-            </a:solidFill>
-            <a:tailEnd type="arrow"/>
-          </a:ln>
-        </p:spPr>
-        <p:style>
-          <a:lnRef idx="1">
-            <a:schemeClr val="accent1"/>
-          </a:lnRef>
-          <a:fillRef idx="0">
-            <a:schemeClr val="accent1"/>
-          </a:fillRef>
-          <a:effectRef idx="0">
-            <a:schemeClr val="accent1"/>
-          </a:effectRef>
-          <a:fontRef idx="minor">
-            <a:schemeClr val="tx1"/>
-          </a:fontRef>
-        </p:style>
-      </p:cxnSp>
-      <p:cxnSp>
-        <p:nvCxnSpPr>
-          <p:cNvPr id="52" name="Straight Arrow Connector 51"/>
-          <p:cNvCxnSpPr/>
-          <p:nvPr/>
-        </p:nvCxnSpPr>
-        <p:spPr>
-          <a:xfrm>
-            <a:off x="3459519" y="3475965"/>
-            <a:ext cx="1600428" cy="0"/>
-          </a:xfrm>
-          <a:prstGeom prst="straightConnector1">
-            <a:avLst/>
-          </a:prstGeom>
-          <a:ln w="19050">
-            <a:solidFill>
-              <a:srgbClr val="0070C0"/>
-            </a:solidFill>
-            <a:prstDash val="sysDash"/>
-            <a:headEnd type="arrow" w="med" len="med"/>
-            <a:tailEnd type="none" w="med" len="med"/>
-          </a:ln>
-        </p:spPr>
-        <p:style>
-          <a:lnRef idx="1">
-            <a:schemeClr val="accent1"/>
-          </a:lnRef>
-          <a:fillRef idx="0">
-            <a:schemeClr val="accent1"/>
-          </a:fillRef>
-          <a:effectRef idx="0">
-            <a:schemeClr val="accent1"/>
-          </a:effectRef>
-          <a:fontRef idx="minor">
-            <a:schemeClr val="tx1"/>
-          </a:fontRef>
-        </p:style>
-      </p:cxnSp>
-      <p:sp>
-        <p:nvSpPr>
-          <p:cNvPr id="4" name="TextBox 3"/>
-          <p:cNvSpPr txBox="1"/>
-          <p:nvPr/>
-        </p:nvSpPr>
-        <p:spPr>
-          <a:xfrm>
-            <a:off x="5033665" y="4199590"/>
-            <a:ext cx="258404" cy="261610"/>
-          </a:xfrm>
-          <a:prstGeom prst="rect">
-            <a:avLst/>
-          </a:prstGeom>
-          <a:noFill/>
-        </p:spPr>
-        <p:txBody>
-          <a:bodyPr wrap="none" rtlCol="0">
-            <a:spAutoFit/>
-          </a:bodyPr>
-          <a:lstStyle/>
-          <a:p>
-            <a:r>
-              <a:rPr lang="en-SG" sz="1100" dirty="0">
-                <a:solidFill>
-                  <a:srgbClr val="002060"/>
-                </a:solidFill>
-              </a:rPr>
-              <a:t>X</a:t>
-            </a:r>
-          </a:p>
-        </p:txBody>
-      </p:sp>
     </p:spTree>
     <p:extLst>
       <p:ext uri="{BB962C8B-B14F-4D97-AF65-F5344CB8AC3E}">
-        <p14:creationId xmlns:p14="http://schemas.microsoft.com/office/powerpoint/2010/main" val="3945898909"/>
+        <p14:creationId xmlns:p14="http://schemas.microsoft.com/office/powerpoint/2010/main" val="4023378879"/>
       </p:ext>
     </p:extLst>
   </p:cSld>

--- a/docs/diagrams/LogicComponentSequenceDiagram.pptx
+++ b/docs/diagrams/LogicComponentSequenceDiagram.pptx
@@ -1,6 +1,6 @@
 
 <file path=ppt/presentation.xml><?xml version="1.0" encoding="utf-8"?>
-<p:presentation xmlns:a="http://schemas.openxmlformats.org/drawingml/2006/main" xmlns:r="http://schemas.openxmlformats.org/officeDocument/2006/relationships" xmlns:p="http://schemas.openxmlformats.org/presentationml/2006/main" removePersonalInfoOnSave="1" saveSubsetFonts="1">
+<p:presentation xmlns:a="http://schemas.openxmlformats.org/drawingml/2006/main" xmlns:r="http://schemas.openxmlformats.org/officeDocument/2006/relationships" xmlns:p="http://schemas.openxmlformats.org/presentationml/2006/main" saveSubsetFonts="1">
   <p:sldMasterIdLst>
     <p:sldMasterId id="2147483648" r:id="rId1"/>
   </p:sldMasterIdLst>
@@ -8,7 +8,7 @@
     <p:notesMasterId r:id="rId3"/>
   </p:notesMasterIdLst>
   <p:sldIdLst>
-    <p:sldId id="266" r:id="rId2"/>
+    <p:sldId id="267" r:id="rId2"/>
   </p:sldIdLst>
   <p:sldSz cx="9144000" cy="6858000" type="screen4x3"/>
   <p:notesSz cx="6858000" cy="9144000"/>
@@ -126,6 +126,10 @@
 </p:presentation>
 </file>
 
+<file path=ppt/revisionInfo.xml><?xml version="1.0" encoding="utf-8"?>
+<p1510:revInfo xmlns:a="http://schemas.openxmlformats.org/drawingml/2006/main" xmlns:r="http://schemas.openxmlformats.org/officeDocument/2006/relationships" xmlns:p1510="http://schemas.microsoft.com/office/powerpoint/2015/10/main"/>
+</file>
+
 <file path=ppt/notesMasters/notesMaster1.xml><?xml version="1.0" encoding="utf-8"?>
 <p:notesMaster xmlns:a="http://schemas.openxmlformats.org/drawingml/2006/main" xmlns:r="http://schemas.openxmlformats.org/officeDocument/2006/relationships" xmlns:p="http://schemas.openxmlformats.org/presentationml/2006/main">
   <p:cSld>
@@ -208,7 +212,7 @@
           <a:p>
             <a:fld id="{F5CC4B3F-88C1-4FFA-B1B6-F41C21DC6924}" type="datetimeFigureOut">
               <a:rPr lang="en-US" smtClean="0"/>
-              <a:t>12/15/2018</a:t>
+              <a:t>7/11/2017</a:t>
             </a:fld>
             <a:endParaRPr lang="en-US"/>
           </a:p>
@@ -475,90 +479,6 @@
 </p:notesMaster>
 </file>
 
-<file path=ppt/notesSlides/notesSlide1.xml><?xml version="1.0" encoding="utf-8"?>
-<p:notes xmlns:a="http://schemas.openxmlformats.org/drawingml/2006/main" xmlns:r="http://schemas.openxmlformats.org/officeDocument/2006/relationships" xmlns:p="http://schemas.openxmlformats.org/presentationml/2006/main">
-  <p:cSld>
-    <p:spTree>
-      <p:nvGrpSpPr>
-        <p:cNvPr id="1" name=""/>
-        <p:cNvGrpSpPr/>
-        <p:nvPr/>
-      </p:nvGrpSpPr>
-      <p:grpSpPr>
-        <a:xfrm>
-          <a:off x="0" y="0"/>
-          <a:ext cx="0" cy="0"/>
-          <a:chOff x="0" y="0"/>
-          <a:chExt cx="0" cy="0"/>
-        </a:xfrm>
-      </p:grpSpPr>
-      <p:sp>
-        <p:nvSpPr>
-          <p:cNvPr id="2" name="Slide Image Placeholder 1"/>
-          <p:cNvSpPr>
-            <a:spLocks noGrp="1" noRot="1" noChangeAspect="1"/>
-          </p:cNvSpPr>
-          <p:nvPr>
-            <p:ph type="sldImg"/>
-          </p:nvPr>
-        </p:nvSpPr>
-        <p:spPr/>
-      </p:sp>
-      <p:sp>
-        <p:nvSpPr>
-          <p:cNvPr id="3" name="Notes Placeholder 2"/>
-          <p:cNvSpPr>
-            <a:spLocks noGrp="1"/>
-          </p:cNvSpPr>
-          <p:nvPr>
-            <p:ph type="body" idx="1"/>
-          </p:nvPr>
-        </p:nvSpPr>
-        <p:spPr/>
-        <p:txBody>
-          <a:bodyPr/>
-          <a:lstStyle/>
-          <a:p>
-            <a:endParaRPr lang="en-SG" dirty="0"/>
-          </a:p>
-        </p:txBody>
-      </p:sp>
-      <p:sp>
-        <p:nvSpPr>
-          <p:cNvPr id="4" name="Slide Number Placeholder 3"/>
-          <p:cNvSpPr>
-            <a:spLocks noGrp="1"/>
-          </p:cNvSpPr>
-          <p:nvPr>
-            <p:ph type="sldNum" sz="quarter" idx="5"/>
-          </p:nvPr>
-        </p:nvSpPr>
-        <p:spPr/>
-        <p:txBody>
-          <a:bodyPr/>
-          <a:lstStyle/>
-          <a:p>
-            <a:fld id="{5A7AB025-77E3-4BD1-A2FD-B3183DBA47A3}" type="slidenum">
-              <a:rPr lang="en-US" smtClean="0"/>
-              <a:t>1</a:t>
-            </a:fld>
-            <a:endParaRPr lang="en-US"/>
-          </a:p>
-        </p:txBody>
-      </p:sp>
-    </p:spTree>
-    <p:extLst>
-      <p:ext uri="{BB962C8B-B14F-4D97-AF65-F5344CB8AC3E}">
-        <p14:creationId xmlns:p14="http://schemas.microsoft.com/office/powerpoint/2010/main" val="2503452583"/>
-      </p:ext>
-    </p:extLst>
-  </p:cSld>
-  <p:clrMapOvr>
-    <a:masterClrMapping/>
-  </p:clrMapOvr>
-</p:notes>
-</file>
-
 <file path=ppt/slideLayouts/slideLayout1.xml><?xml version="1.0" encoding="utf-8"?>
 <p:sldLayout xmlns:a="http://schemas.openxmlformats.org/drawingml/2006/main" xmlns:r="http://schemas.openxmlformats.org/officeDocument/2006/relationships" xmlns:p="http://schemas.openxmlformats.org/presentationml/2006/main" type="title" preserve="1">
   <p:cSld name="Title Slide">
@@ -738,7 +658,7 @@
           <a:p>
             <a:fld id="{78C97017-6FC3-485B-9764-EAC9E56C1D49}" type="datetimeFigureOut">
               <a:rPr lang="en-US" smtClean="0"/>
-              <a:t>12/15/2018</a:t>
+              <a:t>7/11/2017</a:t>
             </a:fld>
             <a:endParaRPr lang="en-US"/>
           </a:p>
@@ -906,7 +826,7 @@
           <a:p>
             <a:fld id="{78C97017-6FC3-485B-9764-EAC9E56C1D49}" type="datetimeFigureOut">
               <a:rPr lang="en-US" smtClean="0"/>
-              <a:t>12/15/2018</a:t>
+              <a:t>7/11/2017</a:t>
             </a:fld>
             <a:endParaRPr lang="en-US"/>
           </a:p>
@@ -1084,7 +1004,7 @@
           <a:p>
             <a:fld id="{78C97017-6FC3-485B-9764-EAC9E56C1D49}" type="datetimeFigureOut">
               <a:rPr lang="en-US" smtClean="0"/>
-              <a:t>12/15/2018</a:t>
+              <a:t>7/11/2017</a:t>
             </a:fld>
             <a:endParaRPr lang="en-US"/>
           </a:p>
@@ -1252,7 +1172,7 @@
           <a:p>
             <a:fld id="{78C97017-6FC3-485B-9764-EAC9E56C1D49}" type="datetimeFigureOut">
               <a:rPr lang="en-US" smtClean="0"/>
-              <a:t>12/15/2018</a:t>
+              <a:t>7/11/2017</a:t>
             </a:fld>
             <a:endParaRPr lang="en-US"/>
           </a:p>
@@ -1497,7 +1417,7 @@
           <a:p>
             <a:fld id="{78C97017-6FC3-485B-9764-EAC9E56C1D49}" type="datetimeFigureOut">
               <a:rPr lang="en-US" smtClean="0"/>
-              <a:t>12/15/2018</a:t>
+              <a:t>7/11/2017</a:t>
             </a:fld>
             <a:endParaRPr lang="en-US"/>
           </a:p>
@@ -1782,7 +1702,7 @@
           <a:p>
             <a:fld id="{78C97017-6FC3-485B-9764-EAC9E56C1D49}" type="datetimeFigureOut">
               <a:rPr lang="en-US" smtClean="0"/>
-              <a:t>12/15/2018</a:t>
+              <a:t>7/11/2017</a:t>
             </a:fld>
             <a:endParaRPr lang="en-US"/>
           </a:p>
@@ -2201,7 +2121,7 @@
           <a:p>
             <a:fld id="{78C97017-6FC3-485B-9764-EAC9E56C1D49}" type="datetimeFigureOut">
               <a:rPr lang="en-US" smtClean="0"/>
-              <a:t>12/15/2018</a:t>
+              <a:t>7/11/2017</a:t>
             </a:fld>
             <a:endParaRPr lang="en-US"/>
           </a:p>
@@ -2318,7 +2238,7 @@
           <a:p>
             <a:fld id="{78C97017-6FC3-485B-9764-EAC9E56C1D49}" type="datetimeFigureOut">
               <a:rPr lang="en-US" smtClean="0"/>
-              <a:t>12/15/2018</a:t>
+              <a:t>7/11/2017</a:t>
             </a:fld>
             <a:endParaRPr lang="en-US"/>
           </a:p>
@@ -2413,7 +2333,7 @@
           <a:p>
             <a:fld id="{78C97017-6FC3-485B-9764-EAC9E56C1D49}" type="datetimeFigureOut">
               <a:rPr lang="en-US" smtClean="0"/>
-              <a:t>12/15/2018</a:t>
+              <a:t>7/11/2017</a:t>
             </a:fld>
             <a:endParaRPr lang="en-US"/>
           </a:p>
@@ -2688,7 +2608,7 @@
           <a:p>
             <a:fld id="{78C97017-6FC3-485B-9764-EAC9E56C1D49}" type="datetimeFigureOut">
               <a:rPr lang="en-US" smtClean="0"/>
-              <a:t>12/15/2018</a:t>
+              <a:t>7/11/2017</a:t>
             </a:fld>
             <a:endParaRPr lang="en-US"/>
           </a:p>
@@ -2940,7 +2860,7 @@
           <a:p>
             <a:fld id="{78C97017-6FC3-485B-9764-EAC9E56C1D49}" type="datetimeFigureOut">
               <a:rPr lang="en-US" smtClean="0"/>
-              <a:t>12/15/2018</a:t>
+              <a:t>7/11/2017</a:t>
             </a:fld>
             <a:endParaRPr lang="en-US"/>
           </a:p>
@@ -3151,7 +3071,7 @@
           <a:p>
             <a:fld id="{78C97017-6FC3-485B-9764-EAC9E56C1D49}" type="datetimeFigureOut">
               <a:rPr lang="en-US" smtClean="0"/>
-              <a:t>12/15/2018</a:t>
+              <a:t>7/11/2017</a:t>
             </a:fld>
             <a:endParaRPr lang="en-US"/>
           </a:p>
@@ -3528,25 +3448,28 @@
       </p:grpSpPr>
       <p:sp>
         <p:nvSpPr>
-          <p:cNvPr id="2" name="Rectangle 62"/>
+          <p:cNvPr id="81" name="Rectangle 65"/>
           <p:cNvSpPr/>
           <p:nvPr/>
         </p:nvSpPr>
         <p:spPr>
           <a:xfrm>
-            <a:off x="1905000" y="2209800"/>
-            <a:ext cx="1093635" cy="346760"/>
-          </a:xfrm>
-          <a:prstGeom prst="rect">
-            <a:avLst/>
+            <a:off x="685800" y="1981200"/>
+            <a:ext cx="7252956" cy="4000286"/>
+          </a:xfrm>
+          <a:prstGeom prst="roundRect">
+            <a:avLst>
+              <a:gd name="adj" fmla="val 3484"/>
+            </a:avLst>
           </a:prstGeom>
           <a:solidFill>
-            <a:srgbClr val="00B050"/>
+            <a:schemeClr val="accent1">
+              <a:lumMod val="20000"/>
+              <a:lumOff val="80000"/>
+            </a:schemeClr>
           </a:solidFill>
           <a:ln w="19050">
-            <a:solidFill>
-              <a:srgbClr val="00B050"/>
-            </a:solidFill>
+            <a:noFill/>
           </a:ln>
           <a:effectLst/>
         </p:spPr>
@@ -3565,6 +3488,64 @@
           </a:fontRef>
         </p:style>
         <p:txBody>
+          <a:bodyPr rtlCol="0" anchor="t"/>
+          <a:lstStyle/>
+          <a:p>
+            <a:r>
+              <a:rPr lang="en-US" sz="1200" b="1" dirty="0">
+                <a:solidFill>
+                  <a:srgbClr val="0070C0"/>
+                </a:solidFill>
+              </a:rPr>
+              <a:t>Logic</a:t>
+            </a:r>
+            <a:endParaRPr lang="en-SG" sz="1200" b="1" dirty="0">
+              <a:solidFill>
+                <a:srgbClr val="0070C0"/>
+              </a:solidFill>
+            </a:endParaRPr>
+          </a:p>
+        </p:txBody>
+      </p:sp>
+      <p:sp>
+        <p:nvSpPr>
+          <p:cNvPr id="2" name="Rectangle 62"/>
+          <p:cNvSpPr/>
+          <p:nvPr/>
+        </p:nvSpPr>
+        <p:spPr>
+          <a:xfrm>
+            <a:off x="845045" y="2296546"/>
+            <a:ext cx="1455629" cy="346760"/>
+          </a:xfrm>
+          <a:prstGeom prst="rect">
+            <a:avLst/>
+          </a:prstGeom>
+          <a:solidFill>
+            <a:srgbClr val="0070C0"/>
+          </a:solidFill>
+          <a:ln w="19050">
+            <a:solidFill>
+              <a:srgbClr val="0070C0"/>
+            </a:solidFill>
+          </a:ln>
+          <a:effectLst/>
+        </p:spPr>
+        <p:style>
+          <a:lnRef idx="1">
+            <a:schemeClr val="accent2"/>
+          </a:lnRef>
+          <a:fillRef idx="2">
+            <a:schemeClr val="accent2"/>
+          </a:fillRef>
+          <a:effectRef idx="1">
+            <a:schemeClr val="accent2"/>
+          </a:effectRef>
+          <a:fontRef idx="minor">
+            <a:schemeClr val="dk1"/>
+          </a:fontRef>
+        </p:style>
+        <p:txBody>
           <a:bodyPr rtlCol="0" anchor="ctr"/>
           <a:lstStyle/>
           <a:p>
@@ -3575,7 +3556,15 @@
                   <a:schemeClr val="bg1"/>
                 </a:solidFill>
               </a:rPr>
-              <a:t>:UI</a:t>
+              <a:t>:</a:t>
+            </a:r>
+            <a:r>
+              <a:rPr lang="en-US" sz="1600" dirty="0" err="1">
+                <a:solidFill>
+                  <a:schemeClr val="bg1"/>
+                </a:solidFill>
+              </a:rPr>
+              <a:t>LogicManager</a:t>
             </a:r>
             <a:endParaRPr lang="en-SG" sz="1600" dirty="0">
               <a:solidFill>
@@ -3588,22 +3577,20 @@
       <p:cxnSp>
         <p:nvCxnSpPr>
           <p:cNvPr id="5" name="Straight Connector 4"/>
-          <p:cNvCxnSpPr>
-            <a:cxnSpLocks/>
-          </p:cNvCxnSpPr>
+          <p:cNvCxnSpPr/>
           <p:nvPr/>
         </p:nvCxnSpPr>
         <p:spPr>
           <a:xfrm>
-            <a:off x="2422261" y="2573471"/>
-            <a:ext cx="0" cy="2236189"/>
+            <a:off x="1572859" y="2660217"/>
+            <a:ext cx="0" cy="2597583"/>
           </a:xfrm>
           <a:prstGeom prst="line">
             <a:avLst/>
           </a:prstGeom>
           <a:ln w="19050">
             <a:solidFill>
-              <a:srgbClr val="00B050"/>
+              <a:srgbClr val="0070C0"/>
             </a:solidFill>
             <a:prstDash val="sysDash"/>
           </a:ln>
@@ -3632,18 +3619,18 @@
         </p:nvSpPr>
         <p:spPr>
           <a:xfrm>
-            <a:off x="2350253" y="2924166"/>
-            <a:ext cx="152400" cy="1733094"/>
+            <a:off x="1500851" y="3010911"/>
+            <a:ext cx="152400" cy="2780287"/>
           </a:xfrm>
           <a:prstGeom prst="rect">
             <a:avLst/>
           </a:prstGeom>
           <a:solidFill>
-            <a:srgbClr val="00B050"/>
+            <a:srgbClr val="0070C0"/>
           </a:solidFill>
           <a:ln>
             <a:solidFill>
-              <a:srgbClr val="00B050"/>
+              <a:srgbClr val="0070C0"/>
             </a:solidFill>
           </a:ln>
           <a:effectLst/>
@@ -3667,231 +3654,10 @@
           <a:lstStyle/>
           <a:p>
             <a:pPr algn="ctr"/>
-            <a:endParaRPr lang="en-SG" sz="1400">
-              <a:solidFill>
-                <a:schemeClr val="dk1"/>
-              </a:solidFill>
-            </a:endParaRPr>
-          </a:p>
-        </p:txBody>
-      </p:sp>
-      <p:grpSp>
-        <p:nvGrpSpPr>
-          <p:cNvPr id="7" name="Actor"/>
-          <p:cNvGrpSpPr/>
-          <p:nvPr/>
-        </p:nvGrpSpPr>
-        <p:grpSpPr>
-          <a:xfrm>
-            <a:off x="910815" y="2146326"/>
-            <a:ext cx="324036" cy="573410"/>
-            <a:chOff x="3239901" y="4149080"/>
-            <a:chExt cx="648072" cy="1146820"/>
-          </a:xfrm>
-        </p:grpSpPr>
-        <p:sp>
-          <p:nvSpPr>
-            <p:cNvPr id="8" name="Flowchart: Connector 7"/>
-            <p:cNvSpPr/>
-            <p:nvPr/>
-          </p:nvSpPr>
-          <p:spPr>
-            <a:xfrm>
-              <a:off x="3419872" y="4149080"/>
-              <a:ext cx="288032" cy="288032"/>
-            </a:xfrm>
-            <a:prstGeom prst="flowChartConnector">
-              <a:avLst/>
-            </a:prstGeom>
-            <a:solidFill>
-              <a:schemeClr val="bg1">
-                <a:lumMod val="85000"/>
-              </a:schemeClr>
-            </a:solidFill>
-            <a:ln w="28575">
-              <a:solidFill>
-                <a:schemeClr val="tx1"/>
-              </a:solidFill>
-            </a:ln>
-            <a:effectLst/>
-          </p:spPr>
-          <p:style>
-            <a:lnRef idx="1">
-              <a:schemeClr val="accent4"/>
-            </a:lnRef>
-            <a:fillRef idx="2">
-              <a:schemeClr val="accent4"/>
-            </a:fillRef>
-            <a:effectRef idx="1">
-              <a:schemeClr val="accent4"/>
-            </a:effectRef>
-            <a:fontRef idx="minor">
-              <a:schemeClr val="dk1"/>
-            </a:fontRef>
-          </p:style>
-          <p:txBody>
-            <a:bodyPr rtlCol="0" anchor="ctr"/>
-            <a:lstStyle/>
-            <a:p>
-              <a:pPr algn="ctr"/>
-              <a:endParaRPr lang="en-SG"/>
-            </a:p>
-          </p:txBody>
-        </p:sp>
-        <p:cxnSp>
-          <p:nvCxnSpPr>
-            <p:cNvPr id="9" name="Straight Connector 8"/>
-            <p:cNvCxnSpPr>
-              <a:stCxn id="8" idx="4"/>
-            </p:cNvCxnSpPr>
-            <p:nvPr/>
-          </p:nvCxnSpPr>
-          <p:spPr>
-            <a:xfrm>
-              <a:off x="3563888" y="4437112"/>
-              <a:ext cx="0" cy="504056"/>
-            </a:xfrm>
-            <a:prstGeom prst="line">
-              <a:avLst/>
-            </a:prstGeom>
-            <a:ln w="28575">
-              <a:solidFill>
-                <a:schemeClr val="tx1"/>
-              </a:solidFill>
-            </a:ln>
-            <a:effectLst/>
-          </p:spPr>
-          <p:style>
-            <a:lnRef idx="1">
-              <a:schemeClr val="accent4"/>
-            </a:lnRef>
-            <a:fillRef idx="2">
-              <a:schemeClr val="accent4"/>
-            </a:fillRef>
-            <a:effectRef idx="1">
-              <a:schemeClr val="accent4"/>
-            </a:effectRef>
-            <a:fontRef idx="minor">
-              <a:schemeClr val="dk1"/>
-            </a:fontRef>
-          </p:style>
-        </p:cxnSp>
-        <p:sp>
-          <p:nvSpPr>
-            <p:cNvPr id="10" name="Freeform 9"/>
-            <p:cNvSpPr/>
-            <p:nvPr/>
-          </p:nvSpPr>
-          <p:spPr>
-            <a:xfrm>
-              <a:off x="3324225" y="4933950"/>
-              <a:ext cx="479425" cy="361950"/>
-            </a:xfrm>
-            <a:custGeom>
-              <a:avLst/>
-              <a:gdLst>
-                <a:gd name="connsiteX0" fmla="*/ 0 w 479425"/>
-                <a:gd name="connsiteY0" fmla="*/ 355600 h 361950"/>
-                <a:gd name="connsiteX1" fmla="*/ 241300 w 479425"/>
-                <a:gd name="connsiteY1" fmla="*/ 0 h 361950"/>
-                <a:gd name="connsiteX2" fmla="*/ 479425 w 479425"/>
-                <a:gd name="connsiteY2" fmla="*/ 361950 h 361950"/>
-              </a:gdLst>
-              <a:ahLst/>
-              <a:cxnLst>
-                <a:cxn ang="0">
-                  <a:pos x="connsiteX0" y="connsiteY0"/>
-                </a:cxn>
-                <a:cxn ang="0">
-                  <a:pos x="connsiteX1" y="connsiteY1"/>
-                </a:cxn>
-                <a:cxn ang="0">
-                  <a:pos x="connsiteX2" y="connsiteY2"/>
-                </a:cxn>
-              </a:cxnLst>
-              <a:rect l="l" t="t" r="r" b="b"/>
-              <a:pathLst>
-                <a:path w="479425" h="361950">
-                  <a:moveTo>
-                    <a:pt x="0" y="355600"/>
-                  </a:moveTo>
-                  <a:lnTo>
-                    <a:pt x="241300" y="0"/>
-                  </a:lnTo>
-                  <a:lnTo>
-                    <a:pt x="479425" y="361950"/>
-                  </a:lnTo>
-                </a:path>
-              </a:pathLst>
-            </a:custGeom>
-            <a:noFill/>
-            <a:ln w="28575">
-              <a:solidFill>
-                <a:schemeClr val="tx1"/>
-              </a:solidFill>
-            </a:ln>
-            <a:effectLst/>
-          </p:spPr>
-          <p:style>
-            <a:lnRef idx="1">
-              <a:schemeClr val="accent4"/>
-            </a:lnRef>
-            <a:fillRef idx="2">
-              <a:schemeClr val="accent4"/>
-            </a:fillRef>
-            <a:effectRef idx="1">
-              <a:schemeClr val="accent4"/>
-            </a:effectRef>
-            <a:fontRef idx="minor">
-              <a:schemeClr val="dk1"/>
-            </a:fontRef>
-          </p:style>
-          <p:txBody>
-            <a:bodyPr rtlCol="0" anchor="ctr"/>
-            <a:lstStyle/>
-            <a:p>
-              <a:pPr algn="ctr"/>
-              <a:endParaRPr lang="en-SG"/>
-            </a:p>
-          </p:txBody>
-        </p:sp>
-        <p:cxnSp>
-          <p:nvCxnSpPr>
-            <p:cNvPr id="11" name="Straight Connector 10"/>
-            <p:cNvCxnSpPr/>
-            <p:nvPr/>
-          </p:nvCxnSpPr>
-          <p:spPr>
-            <a:xfrm>
-              <a:off x="3239901" y="4509120"/>
-              <a:ext cx="648072" cy="0"/>
-            </a:xfrm>
-            <a:prstGeom prst="line">
-              <a:avLst/>
-            </a:prstGeom>
-            <a:ln w="28575">
-              <a:solidFill>
-                <a:schemeClr val="tx1"/>
-              </a:solidFill>
-            </a:ln>
-            <a:effectLst/>
-          </p:spPr>
-          <p:style>
-            <a:lnRef idx="1">
-              <a:schemeClr val="accent4"/>
-            </a:lnRef>
-            <a:fillRef idx="2">
-              <a:schemeClr val="accent4"/>
-            </a:fillRef>
-            <a:effectRef idx="1">
-              <a:schemeClr val="accent4"/>
-            </a:effectRef>
-            <a:fontRef idx="minor">
-              <a:schemeClr val="dk1"/>
-            </a:fontRef>
-          </p:style>
-        </p:cxnSp>
-      </p:grpSp>
+            <a:endParaRPr lang="en-SG" sz="1400"/>
+          </a:p>
+        </p:txBody>
+      </p:sp>
       <p:sp>
         <p:nvSpPr>
           <p:cNvPr id="16" name="Rectangle 62"/>
@@ -3900,8 +3666,8 @@
         </p:nvSpPr>
         <p:spPr>
           <a:xfrm>
-            <a:off x="3560206" y="2217153"/>
-            <a:ext cx="1093635" cy="346760"/>
+            <a:off x="2743200" y="2179309"/>
+            <a:ext cx="1219200" cy="467684"/>
           </a:xfrm>
           <a:prstGeom prst="rect">
             <a:avLst/>
@@ -3941,7 +3707,18 @@
                   <a:schemeClr val="bg1"/>
                 </a:solidFill>
               </a:rPr>
-              <a:t>:Logic</a:t>
+              <a:t>:Address</a:t>
+            </a:r>
+          </a:p>
+          <a:p>
+            <a:pPr algn="ctr"/>
+            <a:r>
+              <a:rPr lang="en-US" sz="1600" dirty="0" err="1">
+                <a:solidFill>
+                  <a:schemeClr val="bg1"/>
+                </a:solidFill>
+              </a:rPr>
+              <a:t>BookParser</a:t>
             </a:r>
             <a:endParaRPr lang="en-SG" sz="1600" dirty="0">
               <a:solidFill>
@@ -3954,15 +3731,13 @@
       <p:cxnSp>
         <p:nvCxnSpPr>
           <p:cNvPr id="17" name="Straight Connector 16"/>
-          <p:cNvCxnSpPr>
-            <a:cxnSpLocks/>
-          </p:cNvCxnSpPr>
+          <p:cNvCxnSpPr/>
           <p:nvPr/>
         </p:nvCxnSpPr>
         <p:spPr>
           <a:xfrm>
-            <a:off x="4107023" y="2580824"/>
-            <a:ext cx="0" cy="2232502"/>
+            <a:off x="3356599" y="2663904"/>
+            <a:ext cx="0" cy="1695374"/>
           </a:xfrm>
           <a:prstGeom prst="line">
             <a:avLst/>
@@ -3998,8 +3773,8 @@
         </p:nvSpPr>
         <p:spPr>
           <a:xfrm>
-            <a:off x="4035015" y="3039017"/>
-            <a:ext cx="152376" cy="1477495"/>
+            <a:off x="3284590" y="3122096"/>
+            <a:ext cx="174929" cy="1129459"/>
           </a:xfrm>
           <a:prstGeom prst="rect">
             <a:avLst/>
@@ -4049,18 +3824,18 @@
         </p:nvSpPr>
         <p:spPr>
           <a:xfrm>
-            <a:off x="5215412" y="2213466"/>
-            <a:ext cx="1093635" cy="346760"/>
+            <a:off x="6221565" y="3312740"/>
+            <a:ext cx="1093635" cy="461538"/>
           </a:xfrm>
           <a:prstGeom prst="rect">
             <a:avLst/>
           </a:prstGeom>
           <a:solidFill>
-            <a:srgbClr val="7030A0"/>
+            <a:srgbClr val="0070C0"/>
           </a:solidFill>
           <a:ln w="19050">
             <a:solidFill>
-              <a:srgbClr val="7030A0"/>
+              <a:srgbClr val="0070C0"/>
             </a:solidFill>
           </a:ln>
           <a:effectLst/>
@@ -4090,7 +3865,22 @@
                   <a:schemeClr val="bg1"/>
                 </a:solidFill>
               </a:rPr>
-              <a:t>:Model</a:t>
+              <a:t>d:Delete</a:t>
+            </a:r>
+            <a:br>
+              <a:rPr lang="en-US" sz="1600" dirty="0">
+                <a:solidFill>
+                  <a:schemeClr val="bg1"/>
+                </a:solidFill>
+              </a:rPr>
+            </a:br>
+            <a:r>
+              <a:rPr lang="en-US" sz="1600" dirty="0">
+                <a:solidFill>
+                  <a:schemeClr val="bg1"/>
+                </a:solidFill>
+              </a:rPr>
+              <a:t>Command</a:t>
             </a:r>
             <a:endParaRPr lang="en-SG" sz="1600" dirty="0">
               <a:solidFill>
@@ -4104,21 +3894,21 @@
         <p:nvCxnSpPr>
           <p:cNvPr id="20" name="Straight Connector 19"/>
           <p:cNvCxnSpPr>
-            <a:cxnSpLocks/>
+            <a:stCxn id="21" idx="0"/>
           </p:cNvCxnSpPr>
           <p:nvPr/>
         </p:nvCxnSpPr>
         <p:spPr>
           <a:xfrm>
-            <a:off x="5762229" y="2577137"/>
-            <a:ext cx="0" cy="2236189"/>
+            <a:off x="6772574" y="3774278"/>
+            <a:ext cx="0" cy="1940722"/>
           </a:xfrm>
           <a:prstGeom prst="line">
             <a:avLst/>
           </a:prstGeom>
           <a:ln w="19050">
             <a:solidFill>
-              <a:srgbClr val="7030A0"/>
+              <a:srgbClr val="0070C0"/>
             </a:solidFill>
             <a:prstDash val="sysDash"/>
           </a:ln>
@@ -4147,18 +3937,18 @@
         </p:nvSpPr>
         <p:spPr>
           <a:xfrm>
-            <a:off x="5690221" y="3143948"/>
-            <a:ext cx="142006" cy="476510"/>
+            <a:off x="6696374" y="3774278"/>
+            <a:ext cx="152400" cy="276003"/>
           </a:xfrm>
           <a:prstGeom prst="rect">
             <a:avLst/>
           </a:prstGeom>
           <a:solidFill>
-            <a:srgbClr val="7030A0"/>
+            <a:srgbClr val="0070C0"/>
           </a:solidFill>
           <a:ln>
             <a:solidFill>
-              <a:srgbClr val="7030A0"/>
+              <a:srgbClr val="0070C0"/>
             </a:solidFill>
           </a:ln>
           <a:effectLst/>
@@ -4182,94 +3972,20 @@
           <a:lstStyle/>
           <a:p>
             <a:pPr algn="ctr"/>
-            <a:endParaRPr lang="en-SG" sz="1400">
-              <a:solidFill>
-                <a:schemeClr val="dk1"/>
-              </a:solidFill>
-            </a:endParaRPr>
+            <a:endParaRPr lang="en-SG" sz="1400"/>
           </a:p>
         </p:txBody>
       </p:sp>
       <p:cxnSp>
         <p:nvCxnSpPr>
           <p:cNvPr id="23" name="Straight Arrow Connector 22"/>
-          <p:cNvCxnSpPr>
-            <a:cxnSpLocks/>
-          </p:cNvCxnSpPr>
+          <p:cNvCxnSpPr/>
           <p:nvPr/>
         </p:nvCxnSpPr>
         <p:spPr>
-          <a:xfrm flipV="1">
-            <a:off x="1263008" y="2931519"/>
-            <a:ext cx="1095607" cy="1"/>
-          </a:xfrm>
-          <a:prstGeom prst="straightConnector1">
-            <a:avLst/>
-          </a:prstGeom>
-          <a:ln w="19050">
-            <a:solidFill>
-              <a:schemeClr val="tx1"/>
-            </a:solidFill>
-            <a:tailEnd type="arrow"/>
-          </a:ln>
-        </p:spPr>
-        <p:style>
-          <a:lnRef idx="1">
-            <a:schemeClr val="accent1"/>
-          </a:lnRef>
-          <a:fillRef idx="0">
-            <a:schemeClr val="accent1"/>
-          </a:fillRef>
-          <a:effectRef idx="0">
-            <a:schemeClr val="accent1"/>
-          </a:effectRef>
-          <a:fontRef idx="minor">
-            <a:schemeClr val="tx1"/>
-          </a:fontRef>
-        </p:style>
-      </p:cxnSp>
-      <p:sp>
-        <p:nvSpPr>
-          <p:cNvPr id="24" name="TextBox 23"/>
-          <p:cNvSpPr txBox="1"/>
-          <p:nvPr/>
-        </p:nvSpPr>
-        <p:spPr>
-          <a:xfrm>
-            <a:off x="1345305" y="2989204"/>
-            <a:ext cx="860170" cy="215444"/>
-          </a:xfrm>
-          <a:prstGeom prst="rect">
-            <a:avLst/>
-          </a:prstGeom>
-          <a:noFill/>
-        </p:spPr>
-        <p:txBody>
-          <a:bodyPr wrap="square" lIns="0" tIns="0" rIns="0" bIns="0" rtlCol="0">
-            <a:spAutoFit/>
-          </a:bodyPr>
-          <a:lstStyle/>
-          <a:p>
-            <a:pPr algn="ctr"/>
-            <a:r>
-              <a:rPr lang="en-US" sz="1400" dirty="0"/>
-              <a:t>delete 1</a:t>
-            </a:r>
-          </a:p>
-        </p:txBody>
-      </p:sp>
-      <p:cxnSp>
-        <p:nvCxnSpPr>
-          <p:cNvPr id="25" name="Straight Arrow Connector 24"/>
-          <p:cNvCxnSpPr>
-            <a:cxnSpLocks/>
-          </p:cNvCxnSpPr>
-          <p:nvPr/>
-        </p:nvCxnSpPr>
-        <p:spPr>
-          <a:xfrm>
-            <a:off x="2518129" y="3039017"/>
-            <a:ext cx="1516886" cy="1"/>
+          <a:xfrm>
+            <a:off x="381000" y="3014599"/>
+            <a:ext cx="1119851" cy="0"/>
           </a:xfrm>
           <a:prstGeom prst="straightConnector1">
             <a:avLst/>
@@ -4296,52 +4012,16 @@
           </a:fontRef>
         </p:style>
       </p:cxnSp>
-      <p:sp>
-        <p:nvSpPr>
-          <p:cNvPr id="26" name="TextBox 25"/>
-          <p:cNvSpPr txBox="1"/>
-          <p:nvPr/>
-        </p:nvSpPr>
-        <p:spPr>
-          <a:xfrm>
-            <a:off x="2552219" y="3082866"/>
-            <a:ext cx="1424846" cy="215444"/>
-          </a:xfrm>
-          <a:prstGeom prst="rect">
-            <a:avLst/>
-          </a:prstGeom>
-          <a:noFill/>
-        </p:spPr>
-        <p:txBody>
-          <a:bodyPr wrap="square" lIns="0" tIns="0" rIns="0" bIns="0" rtlCol="0">
-            <a:spAutoFit/>
-          </a:bodyPr>
-          <a:lstStyle/>
-          <a:p>
-            <a:pPr algn="ctr"/>
-            <a:r>
-              <a:rPr lang="en-US" sz="1400" dirty="0">
-                <a:solidFill>
-                  <a:srgbClr val="0070C0"/>
-                </a:solidFill>
-              </a:rPr>
-              <a:t>execute(“delete 1”)</a:t>
-            </a:r>
-          </a:p>
-        </p:txBody>
-      </p:sp>
       <p:cxnSp>
         <p:nvCxnSpPr>
-          <p:cNvPr id="28" name="Straight Arrow Connector 27"/>
-          <p:cNvCxnSpPr>
-            <a:cxnSpLocks/>
-          </p:cNvCxnSpPr>
+          <p:cNvPr id="25" name="Straight Arrow Connector 24"/>
+          <p:cNvCxnSpPr/>
           <p:nvPr/>
         </p:nvCxnSpPr>
         <p:spPr>
           <a:xfrm flipV="1">
-            <a:off x="4179031" y="3143948"/>
-            <a:ext cx="1532384" cy="1"/>
+            <a:off x="1653251" y="3122097"/>
+            <a:ext cx="1596514" cy="1"/>
           </a:xfrm>
           <a:prstGeom prst="straightConnector1">
             <a:avLst/>
@@ -4370,14 +4050,14 @@
       </p:cxnSp>
       <p:sp>
         <p:nvSpPr>
-          <p:cNvPr id="29" name="TextBox 28"/>
+          <p:cNvPr id="26" name="TextBox 25"/>
           <p:cNvSpPr txBox="1"/>
           <p:nvPr/>
         </p:nvSpPr>
         <p:spPr>
           <a:xfrm>
-            <a:off x="4371378" y="3150453"/>
-            <a:ext cx="1228707" cy="215444"/>
+            <a:off x="0" y="2743200"/>
+            <a:ext cx="1424846" cy="215444"/>
           </a:xfrm>
           <a:prstGeom prst="rect">
             <a:avLst/>
@@ -4390,49 +4070,37 @@
           </a:bodyPr>
           <a:lstStyle/>
           <a:p>
-            <a:pPr algn="ctr"/>
-            <a:r>
-              <a:rPr lang="en-US" sz="1400" dirty="0" err="1">
+            <a:pPr algn="r"/>
+            <a:r>
+              <a:rPr lang="en-US" sz="1400" dirty="0">
                 <a:solidFill>
-                  <a:srgbClr val="7030A0"/>
+                  <a:srgbClr val="0070C0"/>
                 </a:solidFill>
               </a:rPr>
-              <a:t>deletePerson</a:t>
-            </a:r>
-            <a:r>
-              <a:rPr lang="en-US" sz="1400" dirty="0">
-                <a:solidFill>
-                  <a:srgbClr val="7030A0"/>
-                </a:solidFill>
-              </a:rPr>
-              <a:t>(p)</a:t>
+              <a:t>execute(“delete 1”)</a:t>
             </a:r>
           </a:p>
         </p:txBody>
       </p:sp>
       <p:cxnSp>
         <p:nvCxnSpPr>
-          <p:cNvPr id="34" name="Straight Arrow Connector 33"/>
-          <p:cNvCxnSpPr>
-            <a:cxnSpLocks/>
-          </p:cNvCxnSpPr>
+          <p:cNvPr id="28" name="Straight Arrow Connector 27"/>
+          <p:cNvCxnSpPr/>
           <p:nvPr/>
         </p:nvCxnSpPr>
         <p:spPr>
-          <a:xfrm>
-            <a:off x="4157837" y="3594126"/>
-            <a:ext cx="1532384" cy="0"/>
+          <a:xfrm flipV="1">
+            <a:off x="5257218" y="3703214"/>
+            <a:ext cx="922392" cy="1"/>
           </a:xfrm>
           <a:prstGeom prst="straightConnector1">
             <a:avLst/>
           </a:prstGeom>
           <a:ln w="19050">
             <a:solidFill>
-              <a:srgbClr val="7030A0"/>
+              <a:srgbClr val="0070C0"/>
             </a:solidFill>
-            <a:prstDash val="sysDash"/>
-            <a:headEnd type="arrow" w="med" len="med"/>
-            <a:tailEnd type="none" w="med" len="med"/>
+            <a:tailEnd type="arrow"/>
           </a:ln>
         </p:spPr>
         <p:style>
@@ -4450,18 +4118,56 @@
           </a:fontRef>
         </p:style>
       </p:cxnSp>
+      <p:sp>
+        <p:nvSpPr>
+          <p:cNvPr id="29" name="TextBox 28"/>
+          <p:cNvSpPr txBox="1"/>
+          <p:nvPr/>
+        </p:nvSpPr>
+        <p:spPr>
+          <a:xfrm>
+            <a:off x="4257582" y="4251556"/>
+            <a:ext cx="855809" cy="215444"/>
+          </a:xfrm>
+          <a:prstGeom prst="rect">
+            <a:avLst/>
+          </a:prstGeom>
+          <a:noFill/>
+        </p:spPr>
+        <p:txBody>
+          <a:bodyPr wrap="square" lIns="0" tIns="0" rIns="0" bIns="0" rtlCol="0">
+            <a:spAutoFit/>
+          </a:bodyPr>
+          <a:lstStyle>
+            <a:defPPr>
+              <a:defRPr lang="en-US"/>
+            </a:defPPr>
+            <a:lvl1pPr algn="r">
+              <a:defRPr sz="1400">
+                <a:solidFill>
+                  <a:srgbClr val="0070C0"/>
+                </a:solidFill>
+              </a:defRPr>
+            </a:lvl1pPr>
+          </a:lstStyle>
+          <a:p>
+            <a:r>
+              <a:rPr lang="en-US" dirty="0"/>
+              <a:t>execute()</a:t>
+            </a:r>
+          </a:p>
+        </p:txBody>
+      </p:sp>
       <p:cxnSp>
         <p:nvCxnSpPr>
-          <p:cNvPr id="35" name="Straight Arrow Connector 34"/>
-          <p:cNvCxnSpPr>
-            <a:cxnSpLocks/>
-          </p:cNvCxnSpPr>
+          <p:cNvPr id="34" name="Straight Arrow Connector 33"/>
+          <p:cNvCxnSpPr/>
           <p:nvPr/>
         </p:nvCxnSpPr>
         <p:spPr>
           <a:xfrm>
-            <a:off x="2502653" y="4507812"/>
-            <a:ext cx="1532362" cy="0"/>
+            <a:off x="5257800" y="4050281"/>
+            <a:ext cx="1492974" cy="0"/>
           </a:xfrm>
           <a:prstGeom prst="straightConnector1">
             <a:avLst/>
@@ -4492,23 +4198,21 @@
       </p:cxnSp>
       <p:cxnSp>
         <p:nvCxnSpPr>
-          <p:cNvPr id="37" name="Straight Arrow Connector 36"/>
-          <p:cNvCxnSpPr>
-            <a:cxnSpLocks/>
-          </p:cNvCxnSpPr>
+          <p:cNvPr id="35" name="Straight Arrow Connector 34"/>
+          <p:cNvCxnSpPr/>
           <p:nvPr/>
         </p:nvCxnSpPr>
         <p:spPr>
-          <a:xfrm>
-            <a:off x="1263008" y="4657260"/>
-            <a:ext cx="1087245" cy="0"/>
+          <a:xfrm flipV="1">
+            <a:off x="1670186" y="4243231"/>
+            <a:ext cx="1596514" cy="5378"/>
           </a:xfrm>
           <a:prstGeom prst="straightConnector1">
             <a:avLst/>
           </a:prstGeom>
           <a:ln w="19050">
             <a:solidFill>
-              <a:srgbClr val="00B050"/>
+              <a:srgbClr val="0070C0"/>
             </a:solidFill>
             <a:prstDash val="sysDash"/>
             <a:headEnd type="arrow" w="med" len="med"/>
@@ -4530,29 +4234,69 @@
           </a:fontRef>
         </p:style>
       </p:cxnSp>
-      <p:sp>
-        <p:nvSpPr>
-          <p:cNvPr id="53" name="Rectangle 62"/>
+      <p:cxnSp>
+        <p:nvCxnSpPr>
+          <p:cNvPr id="37" name="Straight Arrow Connector 36"/>
+          <p:cNvCxnSpPr/>
+          <p:nvPr/>
+        </p:nvCxnSpPr>
+        <p:spPr>
+          <a:xfrm>
+            <a:off x="304800" y="5791200"/>
+            <a:ext cx="1196051" cy="0"/>
+          </a:xfrm>
+          <a:prstGeom prst="straightConnector1">
+            <a:avLst/>
+          </a:prstGeom>
+          <a:ln w="19050">
+            <a:solidFill>
+              <a:schemeClr val="accent1"/>
+            </a:solidFill>
+            <a:prstDash val="sysDash"/>
+            <a:headEnd type="arrow" w="med" len="med"/>
+            <a:tailEnd type="none" w="med" len="med"/>
+          </a:ln>
+        </p:spPr>
+        <p:style>
+          <a:lnRef idx="1">
+            <a:schemeClr val="accent1"/>
+          </a:lnRef>
+          <a:fillRef idx="0">
+            <a:schemeClr val="accent1"/>
+          </a:fillRef>
+          <a:effectRef idx="0">
+            <a:schemeClr val="accent1"/>
+          </a:effectRef>
+          <a:fontRef idx="minor">
+            <a:schemeClr val="tx1"/>
+          </a:fontRef>
+        </p:style>
+      </p:cxnSp>
+      <p:sp>
+        <p:nvSpPr>
+          <p:cNvPr id="39" name="Rectangle 62"/>
           <p:cNvSpPr/>
           <p:nvPr/>
         </p:nvSpPr>
         <p:spPr>
           <a:xfrm>
-            <a:off x="6870618" y="2213466"/>
-            <a:ext cx="1093635" cy="346760"/>
+            <a:off x="8265896" y="2362200"/>
+            <a:ext cx="1030504" cy="346760"/>
           </a:xfrm>
           <a:prstGeom prst="rect">
             <a:avLst/>
           </a:prstGeom>
           <a:solidFill>
-            <a:schemeClr val="accent6">
-              <a:lumMod val="75000"/>
+            <a:schemeClr val="accent4">
+              <a:lumMod val="60000"/>
+              <a:lumOff val="40000"/>
             </a:schemeClr>
           </a:solidFill>
           <a:ln w="19050">
             <a:solidFill>
-              <a:schemeClr val="accent6">
-                <a:lumMod val="75000"/>
+              <a:schemeClr val="accent4">
+                <a:lumMod val="60000"/>
+                <a:lumOff val="40000"/>
               </a:schemeClr>
             </a:solidFill>
           </a:ln>
@@ -4583,7 +4327,7 @@
                   <a:schemeClr val="bg1"/>
                 </a:solidFill>
               </a:rPr>
-              <a:t>:Storage</a:t>
+              <a:t>:Model</a:t>
             </a:r>
             <a:endParaRPr lang="en-SG" sz="1600" dirty="0">
               <a:solidFill>
@@ -4595,69 +4339,60 @@
       </p:sp>
       <p:cxnSp>
         <p:nvCxnSpPr>
-          <p:cNvPr id="54" name="Straight Connector 53"/>
-          <p:cNvCxnSpPr>
-            <a:cxnSpLocks/>
-          </p:cNvCxnSpPr>
+          <p:cNvPr id="64" name="Straight Arrow Connector 63"/>
+          <p:cNvCxnSpPr/>
           <p:nvPr/>
         </p:nvCxnSpPr>
         <p:spPr>
           <a:xfrm>
-            <a:off x="7417435" y="2538761"/>
-            <a:ext cx="0" cy="2274565"/>
-          </a:xfrm>
-          <a:prstGeom prst="line">
+            <a:off x="1653251" y="4495317"/>
+            <a:ext cx="5043123" cy="0"/>
+          </a:xfrm>
+          <a:prstGeom prst="straightConnector1">
             <a:avLst/>
           </a:prstGeom>
           <a:ln w="19050">
             <a:solidFill>
-              <a:schemeClr val="accent6">
-                <a:lumMod val="75000"/>
-              </a:schemeClr>
+              <a:srgbClr val="0070C0"/>
             </a:solidFill>
-            <a:prstDash val="sysDash"/>
+            <a:tailEnd type="arrow"/>
           </a:ln>
-          <a:effectLst/>
         </p:spPr>
         <p:style>
           <a:lnRef idx="1">
             <a:schemeClr val="accent1"/>
           </a:lnRef>
-          <a:fillRef idx="2">
+          <a:fillRef idx="0">
             <a:schemeClr val="accent1"/>
           </a:fillRef>
-          <a:effectRef idx="1">
+          <a:effectRef idx="0">
             <a:schemeClr val="accent1"/>
           </a:effectRef>
           <a:fontRef idx="minor">
-            <a:schemeClr val="dk1"/>
+            <a:schemeClr val="tx1"/>
           </a:fontRef>
         </p:style>
       </p:cxnSp>
       <p:sp>
         <p:nvSpPr>
-          <p:cNvPr id="55" name="Rectangle 54"/>
+          <p:cNvPr id="65" name="Rectangle 64"/>
           <p:cNvSpPr/>
           <p:nvPr/>
         </p:nvSpPr>
         <p:spPr>
           <a:xfrm>
-            <a:off x="7351124" y="3879150"/>
-            <a:ext cx="124478" cy="457919"/>
+            <a:off x="6687452" y="4467000"/>
+            <a:ext cx="161322" cy="1019400"/>
           </a:xfrm>
           <a:prstGeom prst="rect">
             <a:avLst/>
           </a:prstGeom>
           <a:solidFill>
-            <a:schemeClr val="accent6">
-              <a:lumMod val="75000"/>
-            </a:schemeClr>
+            <a:srgbClr val="0070C0"/>
           </a:solidFill>
           <a:ln>
             <a:solidFill>
-              <a:schemeClr val="accent6">
-                <a:lumMod val="75000"/>
-              </a:schemeClr>
+              <a:srgbClr val="0070C0"/>
             </a:solidFill>
           </a:ln>
           <a:effectLst/>
@@ -4681,142 +4416,30 @@
           <a:lstStyle/>
           <a:p>
             <a:pPr algn="ctr"/>
-            <a:endParaRPr lang="en-SG" sz="1400">
-              <a:solidFill>
-                <a:schemeClr val="dk1"/>
-              </a:solidFill>
-            </a:endParaRPr>
+            <a:endParaRPr lang="en-SG" sz="1400"/>
           </a:p>
         </p:txBody>
       </p:sp>
       <p:cxnSp>
         <p:nvCxnSpPr>
-          <p:cNvPr id="63" name="Straight Arrow Connector 62"/>
-          <p:cNvCxnSpPr>
-            <a:cxnSpLocks/>
-            <a:stCxn id="55" idx="2"/>
-          </p:cNvCxnSpPr>
+          <p:cNvPr id="71" name="Straight Connector 70"/>
+          <p:cNvCxnSpPr/>
           <p:nvPr/>
         </p:nvCxnSpPr>
         <p:spPr>
-          <a:xfrm flipH="1" flipV="1">
-            <a:off x="4187393" y="4336999"/>
-            <a:ext cx="3225970" cy="70"/>
-          </a:xfrm>
-          <a:prstGeom prst="straightConnector1">
-            <a:avLst/>
-          </a:prstGeom>
-          <a:ln w="19050">
-            <a:solidFill>
-              <a:schemeClr val="accent6">
-                <a:lumMod val="75000"/>
-              </a:schemeClr>
-            </a:solidFill>
-            <a:prstDash val="sysDash"/>
-            <a:headEnd type="none" w="med" len="med"/>
-            <a:tailEnd type="arrow" w="med" len="med"/>
-          </a:ln>
-        </p:spPr>
-        <p:style>
-          <a:lnRef idx="1">
-            <a:schemeClr val="accent1"/>
-          </a:lnRef>
-          <a:fillRef idx="0">
-            <a:schemeClr val="accent1"/>
-          </a:fillRef>
-          <a:effectRef idx="0">
-            <a:schemeClr val="accent1"/>
-          </a:effectRef>
-          <a:fontRef idx="minor">
-            <a:schemeClr val="tx1"/>
-          </a:fontRef>
-        </p:style>
-      </p:cxnSp>
-      <p:sp>
-        <p:nvSpPr>
-          <p:cNvPr id="74" name="TextBox 73"/>
-          <p:cNvSpPr txBox="1"/>
-          <p:nvPr/>
-        </p:nvSpPr>
-        <p:spPr>
-          <a:xfrm>
-            <a:off x="4484157" y="3921005"/>
-            <a:ext cx="2466828" cy="215444"/>
-          </a:xfrm>
-          <a:prstGeom prst="rect">
-            <a:avLst/>
-          </a:prstGeom>
-          <a:noFill/>
-        </p:spPr>
-        <p:txBody>
-          <a:bodyPr wrap="square" lIns="0" tIns="0" rIns="0" bIns="0" rtlCol="0">
-            <a:spAutoFit/>
-          </a:bodyPr>
-          <a:lstStyle/>
-          <a:p>
-            <a:pPr algn="ctr"/>
-            <a:r>
-              <a:rPr lang="en-US" sz="1400" dirty="0" err="1">
-                <a:solidFill>
-                  <a:schemeClr val="accent6">
-                    <a:lumMod val="75000"/>
-                  </a:schemeClr>
-                </a:solidFill>
-              </a:rPr>
-              <a:t>saveAddressBook</a:t>
-            </a:r>
-            <a:r>
-              <a:rPr lang="en-US" sz="1400" dirty="0">
-                <a:solidFill>
-                  <a:schemeClr val="accent6">
-                    <a:lumMod val="75000"/>
-                  </a:schemeClr>
-                </a:solidFill>
-              </a:rPr>
-              <a:t>(</a:t>
-            </a:r>
-            <a:r>
-              <a:rPr lang="en-US" sz="1400" dirty="0" err="1">
-                <a:solidFill>
-                  <a:schemeClr val="accent6">
-                    <a:lumMod val="75000"/>
-                  </a:schemeClr>
-                </a:solidFill>
-              </a:rPr>
-              <a:t>AddressBook</a:t>
-            </a:r>
-            <a:r>
-              <a:rPr lang="en-US" sz="1400" dirty="0">
-                <a:solidFill>
-                  <a:schemeClr val="accent6">
-                    <a:lumMod val="75000"/>
-                  </a:schemeClr>
-                </a:solidFill>
-              </a:rPr>
-              <a:t>)</a:t>
-            </a:r>
-          </a:p>
-        </p:txBody>
-      </p:sp>
-      <p:cxnSp>
-        <p:nvCxnSpPr>
-          <p:cNvPr id="85" name="Straight Connector 84"/>
-          <p:cNvCxnSpPr>
-            <a:cxnSpLocks/>
-          </p:cNvCxnSpPr>
-          <p:nvPr/>
-        </p:nvCxnSpPr>
-        <p:spPr>
-          <a:xfrm>
-            <a:off x="1072833" y="2712598"/>
-            <a:ext cx="0" cy="2100728"/>
+          <a:xfrm>
+            <a:off x="8781148" y="2700858"/>
+            <a:ext cx="0" cy="2830598"/>
           </a:xfrm>
           <a:prstGeom prst="line">
             <a:avLst/>
           </a:prstGeom>
           <a:ln w="19050">
             <a:solidFill>
-              <a:schemeClr val="tx1"/>
+              <a:schemeClr val="accent4">
+                <a:lumMod val="60000"/>
+                <a:lumOff val="40000"/>
+              </a:schemeClr>
             </a:solidFill>
             <a:prstDash val="sysDash"/>
           </a:ln>
@@ -4837,241 +4460,73 @@
           </a:fontRef>
         </p:style>
       </p:cxnSp>
-      <p:grpSp>
-        <p:nvGrpSpPr>
-          <p:cNvPr id="58" name="Group 57"/>
-          <p:cNvGrpSpPr/>
+      <p:sp>
+        <p:nvSpPr>
+          <p:cNvPr id="73" name="Rectangle 72"/>
+          <p:cNvSpPr/>
           <p:nvPr/>
-        </p:nvGrpSpPr>
-        <p:grpSpPr>
-          <a:xfrm flipH="1">
-            <a:off x="7442978" y="3879149"/>
-            <a:ext cx="217349" cy="430885"/>
-            <a:chOff x="1028134" y="5612032"/>
-            <a:chExt cx="217349" cy="270072"/>
-          </a:xfrm>
-        </p:grpSpPr>
-        <p:sp>
-          <p:nvSpPr>
-            <p:cNvPr id="59" name="Freeform 58"/>
-            <p:cNvSpPr/>
-            <p:nvPr/>
-          </p:nvSpPr>
-          <p:spPr>
-            <a:xfrm rot="2600998" flipH="1" flipV="1">
-              <a:off x="1028134" y="5612032"/>
-              <a:ext cx="167452" cy="116880"/>
-            </a:xfrm>
-            <a:custGeom>
-              <a:avLst/>
-              <a:gdLst>
-                <a:gd name="connsiteX0" fmla="*/ 0 w 226400"/>
-                <a:gd name="connsiteY0" fmla="*/ 32920 h 171466"/>
-                <a:gd name="connsiteX1" fmla="*/ 157018 w 226400"/>
-                <a:gd name="connsiteY1" fmla="*/ 5211 h 171466"/>
-                <a:gd name="connsiteX2" fmla="*/ 221673 w 226400"/>
-                <a:gd name="connsiteY2" fmla="*/ 125284 h 171466"/>
-                <a:gd name="connsiteX3" fmla="*/ 36945 w 226400"/>
-                <a:gd name="connsiteY3" fmla="*/ 171466 h 171466"/>
-              </a:gdLst>
-              <a:ahLst/>
-              <a:cxnLst>
-                <a:cxn ang="0">
-                  <a:pos x="connsiteX0" y="connsiteY0"/>
-                </a:cxn>
-                <a:cxn ang="0">
-                  <a:pos x="connsiteX1" y="connsiteY1"/>
-                </a:cxn>
-                <a:cxn ang="0">
-                  <a:pos x="connsiteX2" y="connsiteY2"/>
-                </a:cxn>
-                <a:cxn ang="0">
-                  <a:pos x="connsiteX3" y="connsiteY3"/>
-                </a:cxn>
-              </a:cxnLst>
-              <a:rect l="l" t="t" r="r" b="b"/>
-              <a:pathLst>
-                <a:path w="226400" h="171466">
-                  <a:moveTo>
-                    <a:pt x="0" y="32920"/>
-                  </a:moveTo>
-                  <a:cubicBezTo>
-                    <a:pt x="60036" y="11368"/>
-                    <a:pt x="120073" y="-10183"/>
-                    <a:pt x="157018" y="5211"/>
-                  </a:cubicBezTo>
-                  <a:cubicBezTo>
-                    <a:pt x="193963" y="20605"/>
-                    <a:pt x="241685" y="97575"/>
-                    <a:pt x="221673" y="125284"/>
-                  </a:cubicBezTo>
-                  <a:cubicBezTo>
-                    <a:pt x="201661" y="152993"/>
-                    <a:pt x="119303" y="162229"/>
-                    <a:pt x="36945" y="171466"/>
-                  </a:cubicBezTo>
-                </a:path>
-              </a:pathLst>
-            </a:custGeom>
-            <a:ln w="19050">
-              <a:solidFill>
-                <a:schemeClr val="accent6">
-                  <a:lumMod val="75000"/>
-                </a:schemeClr>
-              </a:solidFill>
-              <a:headEnd type="arrow" w="med" len="med"/>
-              <a:tailEnd type="none" w="med" len="med"/>
-            </a:ln>
-          </p:spPr>
-          <p:style>
-            <a:lnRef idx="1">
-              <a:schemeClr val="accent1"/>
-            </a:lnRef>
-            <a:fillRef idx="0">
-              <a:schemeClr val="accent1"/>
-            </a:fillRef>
-            <a:effectRef idx="0">
-              <a:schemeClr val="accent1"/>
-            </a:effectRef>
-            <a:fontRef idx="minor">
-              <a:schemeClr val="tx1"/>
-            </a:fontRef>
-          </p:style>
-          <p:txBody>
-            <a:bodyPr rtlCol="0" anchor="ctr"/>
-            <a:lstStyle/>
-            <a:p>
-              <a:pPr algn="ctr"/>
-              <a:endParaRPr lang="en-SG"/>
-            </a:p>
-          </p:txBody>
-        </p:sp>
-        <p:sp>
-          <p:nvSpPr>
-            <p:cNvPr id="60" name="Rectangle 59"/>
-            <p:cNvSpPr/>
-            <p:nvPr/>
-          </p:nvSpPr>
-          <p:spPr>
-            <a:xfrm>
-              <a:off x="1147403" y="5712513"/>
-              <a:ext cx="98080" cy="169591"/>
-            </a:xfrm>
-            <a:prstGeom prst="rect">
-              <a:avLst/>
-            </a:prstGeom>
-            <a:solidFill>
-              <a:schemeClr val="accent6">
-                <a:lumMod val="75000"/>
-              </a:schemeClr>
-            </a:solidFill>
-            <a:ln>
-              <a:solidFill>
-                <a:schemeClr val="bg1"/>
-              </a:solidFill>
-            </a:ln>
-            <a:effectLst/>
-          </p:spPr>
-          <p:style>
-            <a:lnRef idx="1">
-              <a:schemeClr val="accent3"/>
-            </a:lnRef>
-            <a:fillRef idx="2">
-              <a:schemeClr val="accent3"/>
-            </a:fillRef>
-            <a:effectRef idx="1">
-              <a:schemeClr val="accent3"/>
-            </a:effectRef>
-            <a:fontRef idx="minor">
-              <a:schemeClr val="dk1"/>
-            </a:fontRef>
-          </p:style>
-          <p:txBody>
-            <a:bodyPr rtlCol="0" anchor="ctr"/>
-            <a:lstStyle/>
-            <a:p>
-              <a:pPr algn="ctr"/>
-              <a:endParaRPr lang="en-SG" sz="1400">
-                <a:solidFill>
-                  <a:schemeClr val="dk1"/>
-                </a:solidFill>
-              </a:endParaRPr>
-            </a:p>
-          </p:txBody>
-        </p:sp>
-      </p:grpSp>
-      <p:sp>
-        <p:nvSpPr>
-          <p:cNvPr id="61" name="TextBox 60"/>
-          <p:cNvSpPr txBox="1"/>
-          <p:nvPr/>
-        </p:nvSpPr>
-        <p:spPr>
-          <a:xfrm>
-            <a:off x="7730090" y="3724480"/>
-            <a:ext cx="539047" cy="430887"/>
+        </p:nvSpPr>
+        <p:spPr>
+          <a:xfrm>
+            <a:off x="8686800" y="4524597"/>
+            <a:ext cx="152400" cy="199803"/>
           </a:xfrm>
           <a:prstGeom prst="rect">
             <a:avLst/>
           </a:prstGeom>
-          <a:noFill/>
-        </p:spPr>
-        <p:txBody>
-          <a:bodyPr wrap="square" lIns="0" tIns="0" rIns="0" bIns="0" rtlCol="0">
-            <a:spAutoFit/>
-          </a:bodyPr>
-          <a:lstStyle/>
-          <a:p>
-            <a:r>
-              <a:rPr lang="en-US" sz="1400" dirty="0">
-                <a:solidFill>
-                  <a:schemeClr val="accent6">
-                    <a:lumMod val="75000"/>
-                  </a:schemeClr>
-                </a:solidFill>
-              </a:rPr>
-              <a:t>Save </a:t>
-            </a:r>
-            <a:br>
-              <a:rPr lang="en-US" sz="1400" dirty="0">
-                <a:solidFill>
-                  <a:schemeClr val="accent6">
-                    <a:lumMod val="75000"/>
-                  </a:schemeClr>
-                </a:solidFill>
-              </a:rPr>
-            </a:br>
-            <a:r>
-              <a:rPr lang="en-US" sz="1400" dirty="0">
-                <a:solidFill>
-                  <a:schemeClr val="accent6">
-                    <a:lumMod val="75000"/>
-                  </a:schemeClr>
-                </a:solidFill>
-              </a:rPr>
-              <a:t>to file</a:t>
-            </a:r>
+          <a:solidFill>
+            <a:schemeClr val="accent4">
+              <a:lumMod val="60000"/>
+              <a:lumOff val="40000"/>
+            </a:schemeClr>
+          </a:solidFill>
+          <a:ln>
+            <a:solidFill>
+              <a:schemeClr val="accent4">
+                <a:lumMod val="60000"/>
+                <a:lumOff val="40000"/>
+              </a:schemeClr>
+            </a:solidFill>
+          </a:ln>
+          <a:effectLst/>
+        </p:spPr>
+        <p:style>
+          <a:lnRef idx="1">
+            <a:schemeClr val="accent3"/>
+          </a:lnRef>
+          <a:fillRef idx="2">
+            <a:schemeClr val="accent3"/>
+          </a:fillRef>
+          <a:effectRef idx="1">
+            <a:schemeClr val="accent3"/>
+          </a:effectRef>
+          <a:fontRef idx="minor">
+            <a:schemeClr val="dk1"/>
+          </a:fontRef>
+        </p:style>
+        <p:txBody>
+          <a:bodyPr rtlCol="0" anchor="ctr"/>
+          <a:lstStyle/>
+          <a:p>
+            <a:pPr algn="ctr"/>
+            <a:endParaRPr lang="en-SG" sz="1400">
+              <a:solidFill>
+                <a:schemeClr val="dk1"/>
+              </a:solidFill>
+            </a:endParaRPr>
           </a:p>
         </p:txBody>
       </p:sp>
       <p:cxnSp>
         <p:nvCxnSpPr>
-          <p:cNvPr id="78" name="Straight Arrow Connector 77">
-            <a:extLst>
-              <a:ext uri="{FF2B5EF4-FFF2-40B4-BE49-F238E27FC236}">
-                <a16:creationId xmlns:a16="http://schemas.microsoft.com/office/drawing/2014/main" id="{4AB8DFA2-C3DE-4CDF-82C8-BDE3320A5C3E}"/>
-              </a:ext>
-            </a:extLst>
-          </p:cNvPr>
-          <p:cNvCxnSpPr>
-            <a:cxnSpLocks/>
-          </p:cNvCxnSpPr>
+          <p:cNvPr id="75" name="Straight Arrow Connector 74"/>
+          <p:cNvCxnSpPr/>
           <p:nvPr/>
         </p:nvCxnSpPr>
         <p:spPr>
-          <a:xfrm flipV="1">
-            <a:off x="4203433" y="3883131"/>
-            <a:ext cx="3144005" cy="1"/>
+          <a:xfrm>
+            <a:off x="6850663" y="4524597"/>
+            <a:ext cx="1836137" cy="0"/>
           </a:xfrm>
           <a:prstGeom prst="straightConnector1">
             <a:avLst/>
@@ -5098,10 +4553,922 @@
           </a:fontRef>
         </p:style>
       </p:cxnSp>
+      <p:cxnSp>
+        <p:nvCxnSpPr>
+          <p:cNvPr id="76" name="Straight Arrow Connector 75"/>
+          <p:cNvCxnSpPr/>
+          <p:nvPr/>
+        </p:nvCxnSpPr>
+        <p:spPr>
+          <a:xfrm flipV="1">
+            <a:off x="6848774" y="4714650"/>
+            <a:ext cx="1838026" cy="9750"/>
+          </a:xfrm>
+          <a:prstGeom prst="straightConnector1">
+            <a:avLst/>
+          </a:prstGeom>
+          <a:ln w="19050">
+            <a:solidFill>
+              <a:schemeClr val="accent4">
+                <a:lumMod val="60000"/>
+                <a:lumOff val="40000"/>
+              </a:schemeClr>
+            </a:solidFill>
+            <a:prstDash val="sysDash"/>
+            <a:headEnd type="arrow" w="med" len="med"/>
+            <a:tailEnd type="none" w="med" len="med"/>
+          </a:ln>
+        </p:spPr>
+        <p:style>
+          <a:lnRef idx="1">
+            <a:schemeClr val="accent1"/>
+          </a:lnRef>
+          <a:fillRef idx="0">
+            <a:schemeClr val="accent1"/>
+          </a:fillRef>
+          <a:effectRef idx="0">
+            <a:schemeClr val="accent1"/>
+          </a:effectRef>
+          <a:fontRef idx="minor">
+            <a:schemeClr val="tx1"/>
+          </a:fontRef>
+        </p:style>
+      </p:cxnSp>
+      <p:cxnSp>
+        <p:nvCxnSpPr>
+          <p:cNvPr id="77" name="Straight Arrow Connector 76"/>
+          <p:cNvCxnSpPr/>
+          <p:nvPr/>
+        </p:nvCxnSpPr>
+        <p:spPr>
+          <a:xfrm>
+            <a:off x="1653251" y="5486400"/>
+            <a:ext cx="5052349" cy="0"/>
+          </a:xfrm>
+          <a:prstGeom prst="straightConnector1">
+            <a:avLst/>
+          </a:prstGeom>
+          <a:ln w="19050">
+            <a:solidFill>
+              <a:srgbClr val="0070C0"/>
+            </a:solidFill>
+            <a:prstDash val="sysDash"/>
+            <a:headEnd type="arrow" w="med" len="med"/>
+            <a:tailEnd type="none" w="med" len="med"/>
+          </a:ln>
+        </p:spPr>
+        <p:style>
+          <a:lnRef idx="1">
+            <a:schemeClr val="accent1"/>
+          </a:lnRef>
+          <a:fillRef idx="0">
+            <a:schemeClr val="accent1"/>
+          </a:fillRef>
+          <a:effectRef idx="0">
+            <a:schemeClr val="accent1"/>
+          </a:effectRef>
+          <a:fontRef idx="minor">
+            <a:schemeClr val="tx1"/>
+          </a:fontRef>
+        </p:style>
+      </p:cxnSp>
+      <p:sp>
+        <p:nvSpPr>
+          <p:cNvPr id="78" name="TextBox 77"/>
+          <p:cNvSpPr txBox="1"/>
+          <p:nvPr/>
+        </p:nvSpPr>
+        <p:spPr>
+          <a:xfrm>
+            <a:off x="6984957" y="4267200"/>
+            <a:ext cx="1424846" cy="215444"/>
+          </a:xfrm>
+          <a:prstGeom prst="rect">
+            <a:avLst/>
+          </a:prstGeom>
+          <a:noFill/>
+        </p:spPr>
+        <p:txBody>
+          <a:bodyPr wrap="square" lIns="0" tIns="0" rIns="0" bIns="0" rtlCol="0">
+            <a:spAutoFit/>
+          </a:bodyPr>
+          <a:lstStyle>
+            <a:defPPr>
+              <a:defRPr lang="en-US"/>
+            </a:defPPr>
+            <a:lvl1pPr algn="r">
+              <a:defRPr sz="1400">
+                <a:solidFill>
+                  <a:srgbClr val="0070C0"/>
+                </a:solidFill>
+              </a:defRPr>
+            </a:lvl1pPr>
+          </a:lstStyle>
+          <a:p>
+            <a:r>
+              <a:rPr lang="en-US" dirty="0" err="1">
+                <a:solidFill>
+                  <a:srgbClr val="7030A0"/>
+                </a:solidFill>
+              </a:rPr>
+              <a:t>deletePerson</a:t>
+            </a:r>
+            <a:r>
+              <a:rPr lang="en-US" dirty="0">
+                <a:solidFill>
+                  <a:srgbClr val="7030A0"/>
+                </a:solidFill>
+              </a:rPr>
+              <a:t>(p)</a:t>
+            </a:r>
+          </a:p>
+        </p:txBody>
+      </p:sp>
+      <p:sp>
+        <p:nvSpPr>
+          <p:cNvPr id="79" name="TextBox 78"/>
+          <p:cNvSpPr txBox="1"/>
+          <p:nvPr/>
+        </p:nvSpPr>
+        <p:spPr>
+          <a:xfrm>
+            <a:off x="3847551" y="3657600"/>
+            <a:ext cx="767033" cy="184666"/>
+          </a:xfrm>
+          <a:prstGeom prst="rect">
+            <a:avLst/>
+          </a:prstGeom>
+          <a:noFill/>
+        </p:spPr>
+        <p:txBody>
+          <a:bodyPr wrap="square" lIns="0" tIns="0" rIns="0" bIns="0" rtlCol="0">
+            <a:spAutoFit/>
+          </a:bodyPr>
+          <a:lstStyle>
+            <a:defPPr>
+              <a:defRPr lang="en-US"/>
+            </a:defPPr>
+            <a:lvl1pPr algn="r">
+              <a:defRPr sz="1400">
+                <a:solidFill>
+                  <a:srgbClr val="0070C0"/>
+                </a:solidFill>
+              </a:defRPr>
+            </a:lvl1pPr>
+          </a:lstStyle>
+          <a:p>
+            <a:r>
+              <a:rPr lang="en-US" sz="1200" dirty="0"/>
+              <a:t>parse(“1”)</a:t>
+            </a:r>
+          </a:p>
+        </p:txBody>
+      </p:sp>
+      <p:sp>
+        <p:nvSpPr>
+          <p:cNvPr id="80" name="TextBox 79"/>
+          <p:cNvSpPr txBox="1"/>
+          <p:nvPr/>
+        </p:nvSpPr>
+        <p:spPr>
+          <a:xfrm>
+            <a:off x="1742982" y="2850922"/>
+            <a:ext cx="1424846" cy="215444"/>
+          </a:xfrm>
+          <a:prstGeom prst="rect">
+            <a:avLst/>
+          </a:prstGeom>
+          <a:noFill/>
+        </p:spPr>
+        <p:txBody>
+          <a:bodyPr wrap="square" lIns="0" tIns="0" rIns="0" bIns="0" rtlCol="0">
+            <a:spAutoFit/>
+          </a:bodyPr>
+          <a:lstStyle>
+            <a:defPPr>
+              <a:defRPr lang="en-US"/>
+            </a:defPPr>
+            <a:lvl1pPr algn="r">
+              <a:defRPr sz="1400">
+                <a:solidFill>
+                  <a:srgbClr val="0070C0"/>
+                </a:solidFill>
+              </a:defRPr>
+            </a:lvl1pPr>
+          </a:lstStyle>
+          <a:p>
+            <a:r>
+              <a:rPr lang="en-US" dirty="0"/>
+              <a:t>parse(“delete 1”)</a:t>
+            </a:r>
+          </a:p>
+        </p:txBody>
+      </p:sp>
+      <p:sp>
+        <p:nvSpPr>
+          <p:cNvPr id="82" name="TextBox 81"/>
+          <p:cNvSpPr txBox="1"/>
+          <p:nvPr/>
+        </p:nvSpPr>
+        <p:spPr>
+          <a:xfrm>
+            <a:off x="4340137" y="5255323"/>
+            <a:ext cx="621216" cy="215444"/>
+          </a:xfrm>
+          <a:prstGeom prst="rect">
+            <a:avLst/>
+          </a:prstGeom>
+          <a:noFill/>
+        </p:spPr>
+        <p:txBody>
+          <a:bodyPr wrap="square" lIns="0" tIns="0" rIns="0" bIns="0" rtlCol="0">
+            <a:spAutoFit/>
+          </a:bodyPr>
+          <a:lstStyle>
+            <a:defPPr>
+              <a:defRPr lang="en-US"/>
+            </a:defPPr>
+            <a:lvl1pPr algn="r">
+              <a:defRPr sz="1400">
+                <a:solidFill>
+                  <a:srgbClr val="0070C0"/>
+                </a:solidFill>
+              </a:defRPr>
+            </a:lvl1pPr>
+          </a:lstStyle>
+          <a:p>
+            <a:r>
+              <a:rPr lang="en-US" dirty="0"/>
+              <a:t>result</a:t>
+            </a:r>
+          </a:p>
+        </p:txBody>
+      </p:sp>
+      <p:sp>
+        <p:nvSpPr>
+          <p:cNvPr id="83" name="TextBox 82"/>
+          <p:cNvSpPr txBox="1"/>
+          <p:nvPr/>
+        </p:nvSpPr>
+        <p:spPr>
+          <a:xfrm>
+            <a:off x="599983" y="5538488"/>
+            <a:ext cx="762000" cy="215444"/>
+          </a:xfrm>
+          <a:prstGeom prst="rect">
+            <a:avLst/>
+          </a:prstGeom>
+          <a:noFill/>
+        </p:spPr>
+        <p:txBody>
+          <a:bodyPr wrap="square" lIns="0" tIns="0" rIns="0" bIns="0" rtlCol="0">
+            <a:spAutoFit/>
+          </a:bodyPr>
+          <a:lstStyle>
+            <a:defPPr>
+              <a:defRPr lang="en-US"/>
+            </a:defPPr>
+            <a:lvl1pPr algn="r">
+              <a:defRPr sz="1400">
+                <a:solidFill>
+                  <a:srgbClr val="0070C0"/>
+                </a:solidFill>
+              </a:defRPr>
+            </a:lvl1pPr>
+          </a:lstStyle>
+          <a:p>
+            <a:r>
+              <a:rPr lang="en-US" dirty="0"/>
+              <a:t>result</a:t>
+            </a:r>
+          </a:p>
+        </p:txBody>
+      </p:sp>
+      <p:sp>
+        <p:nvSpPr>
+          <p:cNvPr id="84" name="Rectangle 62"/>
+          <p:cNvSpPr/>
+          <p:nvPr/>
+        </p:nvSpPr>
+        <p:spPr>
+          <a:xfrm>
+            <a:off x="7020246" y="4777286"/>
+            <a:ext cx="1590354" cy="461538"/>
+          </a:xfrm>
+          <a:prstGeom prst="rect">
+            <a:avLst/>
+          </a:prstGeom>
+          <a:solidFill>
+            <a:srgbClr val="0070C0"/>
+          </a:solidFill>
+          <a:ln w="19050">
+            <a:solidFill>
+              <a:srgbClr val="0070C0"/>
+            </a:solidFill>
+          </a:ln>
+          <a:effectLst/>
+        </p:spPr>
+        <p:style>
+          <a:lnRef idx="1">
+            <a:schemeClr val="accent2"/>
+          </a:lnRef>
+          <a:fillRef idx="2">
+            <a:schemeClr val="accent2"/>
+          </a:fillRef>
+          <a:effectRef idx="1">
+            <a:schemeClr val="accent2"/>
+          </a:effectRef>
+          <a:fontRef idx="minor">
+            <a:schemeClr val="dk1"/>
+          </a:fontRef>
+        </p:style>
+        <p:txBody>
+          <a:bodyPr rtlCol="0" anchor="ctr"/>
+          <a:lstStyle/>
+          <a:p>
+            <a:pPr algn="ctr"/>
+            <a:r>
+              <a:rPr lang="en-US" sz="1600" dirty="0" err="1">
+                <a:solidFill>
+                  <a:schemeClr val="bg1"/>
+                </a:solidFill>
+              </a:rPr>
+              <a:t>result:Command</a:t>
+            </a:r>
+            <a:r>
+              <a:rPr lang="en-US" sz="1600" dirty="0">
+                <a:solidFill>
+                  <a:schemeClr val="bg1"/>
+                </a:solidFill>
+              </a:rPr>
+              <a:t> Result</a:t>
+            </a:r>
+            <a:endParaRPr lang="en-SG" sz="1600" dirty="0">
+              <a:solidFill>
+                <a:schemeClr val="bg1"/>
+              </a:solidFill>
+            </a:endParaRPr>
+          </a:p>
+        </p:txBody>
+      </p:sp>
+      <p:sp>
+        <p:nvSpPr>
+          <p:cNvPr id="86" name="Rectangle 85"/>
+          <p:cNvSpPr/>
+          <p:nvPr/>
+        </p:nvSpPr>
+        <p:spPr>
+          <a:xfrm>
+            <a:off x="7777323" y="5238824"/>
+            <a:ext cx="152400" cy="171376"/>
+          </a:xfrm>
+          <a:prstGeom prst="rect">
+            <a:avLst/>
+          </a:prstGeom>
+          <a:solidFill>
+            <a:srgbClr val="0070C0"/>
+          </a:solidFill>
+          <a:ln>
+            <a:solidFill>
+              <a:srgbClr val="0070C0"/>
+            </a:solidFill>
+          </a:ln>
+          <a:effectLst/>
+        </p:spPr>
+        <p:style>
+          <a:lnRef idx="1">
+            <a:schemeClr val="accent3"/>
+          </a:lnRef>
+          <a:fillRef idx="2">
+            <a:schemeClr val="accent3"/>
+          </a:fillRef>
+          <a:effectRef idx="1">
+            <a:schemeClr val="accent3"/>
+          </a:effectRef>
+          <a:fontRef idx="minor">
+            <a:schemeClr val="dk1"/>
+          </a:fontRef>
+        </p:style>
+        <p:txBody>
+          <a:bodyPr rtlCol="0" anchor="ctr"/>
+          <a:lstStyle/>
+          <a:p>
+            <a:pPr algn="ctr"/>
+            <a:endParaRPr lang="en-SG" sz="1400"/>
+          </a:p>
+        </p:txBody>
+      </p:sp>
+      <p:cxnSp>
+        <p:nvCxnSpPr>
+          <p:cNvPr id="90" name="Straight Arrow Connector 89"/>
+          <p:cNvCxnSpPr/>
+          <p:nvPr/>
+        </p:nvCxnSpPr>
+        <p:spPr>
+          <a:xfrm>
+            <a:off x="6858000" y="5410200"/>
+            <a:ext cx="966624" cy="0"/>
+          </a:xfrm>
+          <a:prstGeom prst="straightConnector1">
+            <a:avLst/>
+          </a:prstGeom>
+          <a:ln w="19050">
+            <a:solidFill>
+              <a:srgbClr val="0070C0"/>
+            </a:solidFill>
+            <a:prstDash val="sysDash"/>
+            <a:headEnd type="arrow" w="med" len="med"/>
+            <a:tailEnd type="none" w="med" len="med"/>
+          </a:ln>
+        </p:spPr>
+        <p:style>
+          <a:lnRef idx="1">
+            <a:schemeClr val="accent1"/>
+          </a:lnRef>
+          <a:fillRef idx="0">
+            <a:schemeClr val="accent1"/>
+          </a:fillRef>
+          <a:effectRef idx="0">
+            <a:schemeClr val="accent1"/>
+          </a:effectRef>
+          <a:fontRef idx="minor">
+            <a:schemeClr val="tx1"/>
+          </a:fontRef>
+        </p:style>
+      </p:cxnSp>
+      <p:sp>
+        <p:nvSpPr>
+          <p:cNvPr id="93" name="TextBox 92"/>
+          <p:cNvSpPr txBox="1"/>
+          <p:nvPr/>
+        </p:nvSpPr>
+        <p:spPr>
+          <a:xfrm>
+            <a:off x="2673845" y="4027787"/>
+            <a:ext cx="220343" cy="215444"/>
+          </a:xfrm>
+          <a:prstGeom prst="rect">
+            <a:avLst/>
+          </a:prstGeom>
+          <a:noFill/>
+        </p:spPr>
+        <p:txBody>
+          <a:bodyPr wrap="square" lIns="0" tIns="0" rIns="0" bIns="0" rtlCol="0">
+            <a:spAutoFit/>
+          </a:bodyPr>
+          <a:lstStyle>
+            <a:defPPr>
+              <a:defRPr lang="en-US"/>
+            </a:defPPr>
+            <a:lvl1pPr algn="r">
+              <a:defRPr sz="1400">
+                <a:solidFill>
+                  <a:srgbClr val="0070C0"/>
+                </a:solidFill>
+              </a:defRPr>
+            </a:lvl1pPr>
+          </a:lstStyle>
+          <a:p>
+            <a:r>
+              <a:rPr lang="en-US" dirty="0"/>
+              <a:t>d</a:t>
+            </a:r>
+          </a:p>
+        </p:txBody>
+      </p:sp>
+      <p:sp>
+        <p:nvSpPr>
+          <p:cNvPr id="40" name="Rectangle 62"/>
+          <p:cNvSpPr/>
+          <p:nvPr/>
+        </p:nvSpPr>
+        <p:spPr>
+          <a:xfrm>
+            <a:off x="4231981" y="2929839"/>
+            <a:ext cx="1778201" cy="432035"/>
+          </a:xfrm>
+          <a:prstGeom prst="rect">
+            <a:avLst/>
+          </a:prstGeom>
+          <a:solidFill>
+            <a:srgbClr val="0070C0"/>
+          </a:solidFill>
+          <a:ln w="19050">
+            <a:solidFill>
+              <a:srgbClr val="0070C0"/>
+            </a:solidFill>
+          </a:ln>
+          <a:effectLst/>
+        </p:spPr>
+        <p:style>
+          <a:lnRef idx="1">
+            <a:schemeClr val="accent2"/>
+          </a:lnRef>
+          <a:fillRef idx="2">
+            <a:schemeClr val="accent2"/>
+          </a:fillRef>
+          <a:effectRef idx="1">
+            <a:schemeClr val="accent2"/>
+          </a:effectRef>
+          <a:fontRef idx="minor">
+            <a:schemeClr val="dk1"/>
+          </a:fontRef>
+        </p:style>
+        <p:txBody>
+          <a:bodyPr rtlCol="0" anchor="ctr"/>
+          <a:lstStyle/>
+          <a:p>
+            <a:pPr algn="ctr"/>
+            <a:r>
+              <a:rPr lang="en-US" sz="1600" dirty="0">
+                <a:solidFill>
+                  <a:schemeClr val="bg1"/>
+                </a:solidFill>
+              </a:rPr>
+              <a:t>:</a:t>
+            </a:r>
+            <a:r>
+              <a:rPr lang="en-US" sz="1600" dirty="0" err="1">
+                <a:solidFill>
+                  <a:schemeClr val="bg1"/>
+                </a:solidFill>
+              </a:rPr>
+              <a:t>DeleteCommand</a:t>
+            </a:r>
+            <a:endParaRPr lang="en-US" sz="1600" dirty="0">
+              <a:solidFill>
+                <a:schemeClr val="bg1"/>
+              </a:solidFill>
+            </a:endParaRPr>
+          </a:p>
+          <a:p>
+            <a:pPr algn="ctr"/>
+            <a:r>
+              <a:rPr lang="en-US" sz="1600" dirty="0">
+                <a:solidFill>
+                  <a:schemeClr val="bg1"/>
+                </a:solidFill>
+              </a:rPr>
+              <a:t>Parser</a:t>
+            </a:r>
+            <a:endParaRPr lang="en-SG" sz="1600" dirty="0">
+              <a:solidFill>
+                <a:schemeClr val="bg1"/>
+              </a:solidFill>
+            </a:endParaRPr>
+          </a:p>
+        </p:txBody>
+      </p:sp>
+      <p:cxnSp>
+        <p:nvCxnSpPr>
+          <p:cNvPr id="8" name="Straight Arrow Connector 7"/>
+          <p:cNvCxnSpPr/>
+          <p:nvPr/>
+        </p:nvCxnSpPr>
+        <p:spPr>
+          <a:xfrm>
+            <a:off x="3462591" y="3657600"/>
+            <a:ext cx="1597356" cy="1"/>
+          </a:xfrm>
+          <a:prstGeom prst="straightConnector1">
+            <a:avLst/>
+          </a:prstGeom>
+          <a:ln w="19050">
+            <a:headEnd type="none" w="med" len="med"/>
+            <a:tailEnd type="arrow" w="med" len="med"/>
+          </a:ln>
+        </p:spPr>
+        <p:style>
+          <a:lnRef idx="1">
+            <a:schemeClr val="accent1"/>
+          </a:lnRef>
+          <a:fillRef idx="0">
+            <a:schemeClr val="accent1"/>
+          </a:fillRef>
+          <a:effectRef idx="0">
+            <a:schemeClr val="accent1"/>
+          </a:effectRef>
+          <a:fontRef idx="minor">
+            <a:schemeClr val="tx1"/>
+          </a:fontRef>
+        </p:style>
+      </p:cxnSp>
+      <p:sp>
+        <p:nvSpPr>
+          <p:cNvPr id="45" name="Rectangle 44"/>
+          <p:cNvSpPr/>
+          <p:nvPr/>
+        </p:nvSpPr>
+        <p:spPr>
+          <a:xfrm>
+            <a:off x="5059947" y="3352800"/>
+            <a:ext cx="205843" cy="123165"/>
+          </a:xfrm>
+          <a:prstGeom prst="rect">
+            <a:avLst/>
+          </a:prstGeom>
+          <a:solidFill>
+            <a:srgbClr val="0070C0"/>
+          </a:solidFill>
+          <a:ln>
+            <a:solidFill>
+              <a:srgbClr val="0070C0"/>
+            </a:solidFill>
+          </a:ln>
+          <a:effectLst/>
+        </p:spPr>
+        <p:style>
+          <a:lnRef idx="1">
+            <a:schemeClr val="accent3"/>
+          </a:lnRef>
+          <a:fillRef idx="2">
+            <a:schemeClr val="accent3"/>
+          </a:fillRef>
+          <a:effectRef idx="1">
+            <a:schemeClr val="accent3"/>
+          </a:effectRef>
+          <a:fontRef idx="minor">
+            <a:schemeClr val="dk1"/>
+          </a:fontRef>
+        </p:style>
+        <p:txBody>
+          <a:bodyPr rtlCol="0" anchor="ctr"/>
+          <a:lstStyle/>
+          <a:p>
+            <a:pPr algn="ctr"/>
+            <a:endParaRPr lang="en-SG" sz="1400"/>
+          </a:p>
+        </p:txBody>
+      </p:sp>
+      <p:cxnSp>
+        <p:nvCxnSpPr>
+          <p:cNvPr id="46" name="Straight Connector 45"/>
+          <p:cNvCxnSpPr>
+            <a:stCxn id="45" idx="0"/>
+          </p:cNvCxnSpPr>
+          <p:nvPr/>
+        </p:nvCxnSpPr>
+        <p:spPr>
+          <a:xfrm>
+            <a:off x="5162869" y="3352800"/>
+            <a:ext cx="0" cy="990600"/>
+          </a:xfrm>
+          <a:prstGeom prst="line">
+            <a:avLst/>
+          </a:prstGeom>
+          <a:ln w="19050">
+            <a:solidFill>
+              <a:srgbClr val="0070C0"/>
+            </a:solidFill>
+            <a:prstDash val="sysDash"/>
+          </a:ln>
+          <a:effectLst/>
+        </p:spPr>
+        <p:style>
+          <a:lnRef idx="1">
+            <a:schemeClr val="accent1"/>
+          </a:lnRef>
+          <a:fillRef idx="2">
+            <a:schemeClr val="accent1"/>
+          </a:fillRef>
+          <a:effectRef idx="1">
+            <a:schemeClr val="accent1"/>
+          </a:effectRef>
+          <a:fontRef idx="minor">
+            <a:schemeClr val="dk1"/>
+          </a:fontRef>
+        </p:style>
+      </p:cxnSp>
+      <p:sp>
+        <p:nvSpPr>
+          <p:cNvPr id="49" name="Rectangle 48"/>
+          <p:cNvSpPr/>
+          <p:nvPr/>
+        </p:nvSpPr>
+        <p:spPr>
+          <a:xfrm>
+            <a:off x="5059947" y="3657601"/>
+            <a:ext cx="205843" cy="533400"/>
+          </a:xfrm>
+          <a:prstGeom prst="rect">
+            <a:avLst/>
+          </a:prstGeom>
+          <a:solidFill>
+            <a:srgbClr val="0070C0"/>
+          </a:solidFill>
+          <a:ln>
+            <a:solidFill>
+              <a:srgbClr val="0070C0"/>
+            </a:solidFill>
+          </a:ln>
+          <a:effectLst/>
+        </p:spPr>
+        <p:style>
+          <a:lnRef idx="1">
+            <a:schemeClr val="accent3"/>
+          </a:lnRef>
+          <a:fillRef idx="2">
+            <a:schemeClr val="accent3"/>
+          </a:fillRef>
+          <a:effectRef idx="1">
+            <a:schemeClr val="accent3"/>
+          </a:effectRef>
+          <a:fontRef idx="minor">
+            <a:schemeClr val="dk1"/>
+          </a:fontRef>
+        </p:style>
+        <p:txBody>
+          <a:bodyPr rtlCol="0" anchor="ctr"/>
+          <a:lstStyle/>
+          <a:p>
+            <a:pPr algn="ctr"/>
+            <a:endParaRPr lang="en-SG" sz="1400"/>
+          </a:p>
+        </p:txBody>
+      </p:sp>
+      <p:cxnSp>
+        <p:nvCxnSpPr>
+          <p:cNvPr id="51" name="Straight Arrow Connector 50"/>
+          <p:cNvCxnSpPr/>
+          <p:nvPr/>
+        </p:nvCxnSpPr>
+        <p:spPr>
+          <a:xfrm>
+            <a:off x="3499382" y="4185073"/>
+            <a:ext cx="1667219" cy="0"/>
+          </a:xfrm>
+          <a:prstGeom prst="straightConnector1">
+            <a:avLst/>
+          </a:prstGeom>
+          <a:ln w="19050">
+            <a:solidFill>
+              <a:srgbClr val="0070C0"/>
+            </a:solidFill>
+            <a:prstDash val="sysDash"/>
+            <a:headEnd type="arrow" w="med" len="med"/>
+            <a:tailEnd type="none" w="med" len="med"/>
+          </a:ln>
+        </p:spPr>
+        <p:style>
+          <a:lnRef idx="1">
+            <a:schemeClr val="accent1"/>
+          </a:lnRef>
+          <a:fillRef idx="0">
+            <a:schemeClr val="accent1"/>
+          </a:fillRef>
+          <a:effectRef idx="0">
+            <a:schemeClr val="accent1"/>
+          </a:effectRef>
+          <a:fontRef idx="minor">
+            <a:schemeClr val="tx1"/>
+          </a:fontRef>
+        </p:style>
+      </p:cxnSp>
+      <p:cxnSp>
+        <p:nvCxnSpPr>
+          <p:cNvPr id="13" name="Straight Arrow Connector 12"/>
+          <p:cNvCxnSpPr/>
+          <p:nvPr/>
+        </p:nvCxnSpPr>
+        <p:spPr>
+          <a:xfrm>
+            <a:off x="6858000" y="5029200"/>
+            <a:ext cx="162246" cy="0"/>
+          </a:xfrm>
+          <a:prstGeom prst="straightConnector1">
+            <a:avLst/>
+          </a:prstGeom>
+          <a:ln w="19050">
+            <a:headEnd type="none" w="med" len="med"/>
+            <a:tailEnd type="arrow" w="med" len="med"/>
+          </a:ln>
+        </p:spPr>
+        <p:style>
+          <a:lnRef idx="1">
+            <a:schemeClr val="accent1"/>
+          </a:lnRef>
+          <a:fillRef idx="0">
+            <a:schemeClr val="accent1"/>
+          </a:fillRef>
+          <a:effectRef idx="0">
+            <a:schemeClr val="accent1"/>
+          </a:effectRef>
+          <a:fontRef idx="minor">
+            <a:schemeClr val="tx1"/>
+          </a:fontRef>
+        </p:style>
+      </p:cxnSp>
+      <p:cxnSp>
+        <p:nvCxnSpPr>
+          <p:cNvPr id="50" name="Straight Arrow Connector 49"/>
+          <p:cNvCxnSpPr/>
+          <p:nvPr/>
+        </p:nvCxnSpPr>
+        <p:spPr>
+          <a:xfrm>
+            <a:off x="3412425" y="3173004"/>
+            <a:ext cx="819556" cy="1"/>
+          </a:xfrm>
+          <a:prstGeom prst="straightConnector1">
+            <a:avLst/>
+          </a:prstGeom>
+          <a:ln w="19050">
+            <a:solidFill>
+              <a:srgbClr val="0070C0"/>
+            </a:solidFill>
+            <a:tailEnd type="arrow"/>
+          </a:ln>
+        </p:spPr>
+        <p:style>
+          <a:lnRef idx="1">
+            <a:schemeClr val="accent1"/>
+          </a:lnRef>
+          <a:fillRef idx="0">
+            <a:schemeClr val="accent1"/>
+          </a:fillRef>
+          <a:effectRef idx="0">
+            <a:schemeClr val="accent1"/>
+          </a:effectRef>
+          <a:fontRef idx="minor">
+            <a:schemeClr val="tx1"/>
+          </a:fontRef>
+        </p:style>
+      </p:cxnSp>
+      <p:cxnSp>
+        <p:nvCxnSpPr>
+          <p:cNvPr id="52" name="Straight Arrow Connector 51"/>
+          <p:cNvCxnSpPr/>
+          <p:nvPr/>
+        </p:nvCxnSpPr>
+        <p:spPr>
+          <a:xfrm>
+            <a:off x="3459519" y="3475965"/>
+            <a:ext cx="1600428" cy="0"/>
+          </a:xfrm>
+          <a:prstGeom prst="straightConnector1">
+            <a:avLst/>
+          </a:prstGeom>
+          <a:ln w="19050">
+            <a:solidFill>
+              <a:srgbClr val="0070C0"/>
+            </a:solidFill>
+            <a:prstDash val="sysDash"/>
+            <a:headEnd type="arrow" w="med" len="med"/>
+            <a:tailEnd type="none" w="med" len="med"/>
+          </a:ln>
+        </p:spPr>
+        <p:style>
+          <a:lnRef idx="1">
+            <a:schemeClr val="accent1"/>
+          </a:lnRef>
+          <a:fillRef idx="0">
+            <a:schemeClr val="accent1"/>
+          </a:fillRef>
+          <a:effectRef idx="0">
+            <a:schemeClr val="accent1"/>
+          </a:effectRef>
+          <a:fontRef idx="minor">
+            <a:schemeClr val="tx1"/>
+          </a:fontRef>
+        </p:style>
+      </p:cxnSp>
+      <p:sp>
+        <p:nvSpPr>
+          <p:cNvPr id="4" name="TextBox 3"/>
+          <p:cNvSpPr txBox="1"/>
+          <p:nvPr/>
+        </p:nvSpPr>
+        <p:spPr>
+          <a:xfrm>
+            <a:off x="5033665" y="4199590"/>
+            <a:ext cx="258404" cy="261610"/>
+          </a:xfrm>
+          <a:prstGeom prst="rect">
+            <a:avLst/>
+          </a:prstGeom>
+          <a:noFill/>
+        </p:spPr>
+        <p:txBody>
+          <a:bodyPr wrap="none" rtlCol="0">
+            <a:spAutoFit/>
+          </a:bodyPr>
+          <a:lstStyle/>
+          <a:p>
+            <a:r>
+              <a:rPr lang="en-SG" sz="1100" dirty="0">
+                <a:solidFill>
+                  <a:srgbClr val="002060"/>
+                </a:solidFill>
+              </a:rPr>
+              <a:t>X</a:t>
+            </a:r>
+          </a:p>
+        </p:txBody>
+      </p:sp>
     </p:spTree>
     <p:extLst>
       <p:ext uri="{BB962C8B-B14F-4D97-AF65-F5344CB8AC3E}">
-        <p14:creationId xmlns:p14="http://schemas.microsoft.com/office/powerpoint/2010/main" val="4023378879"/>
+        <p14:creationId xmlns:p14="http://schemas.microsoft.com/office/powerpoint/2010/main" val="3945898909"/>
       </p:ext>
     </p:extLst>
   </p:cSld>
